--- a/MidTermProject/presentation.pptx
+++ b/MidTermProject/presentation.pptx
@@ -11,13 +11,13 @@
     <p:sldId id="259" r:id="rId5"/>
     <p:sldId id="260" r:id="rId6"/>
     <p:sldId id="261" r:id="rId7"/>
-    <p:sldId id="263" r:id="rId8"/>
-    <p:sldId id="262" r:id="rId9"/>
+    <p:sldId id="262" r:id="rId8"/>
+    <p:sldId id="263" r:id="rId9"/>
     <p:sldId id="265" r:id="rId10"/>
     <p:sldId id="264" r:id="rId11"/>
     <p:sldId id="266" r:id="rId12"/>
-    <p:sldId id="267" r:id="rId13"/>
-    <p:sldId id="272" r:id="rId14"/>
+    <p:sldId id="272" r:id="rId13"/>
+    <p:sldId id="267" r:id="rId14"/>
     <p:sldId id="268" r:id="rId15"/>
     <p:sldId id="269" r:id="rId16"/>
     <p:sldId id="270" r:id="rId17"/>
@@ -120,6 +120,11 @@
       </a:defRPr>
     </a:lvl9pPr>
   </p:defaultTextStyle>
+  <p:extLst>
+    <p:ext uri="{EFAFB233-063F-42B5-8137-9DF3F51BA10A}">
+      <p15:sldGuideLst xmlns:p15="http://schemas.microsoft.com/office/powerpoint/2012/main"/>
+    </p:ext>
+  </p:extLst>
 </p:presentation>
 </file>
 
@@ -3511,8 +3516,8 @@
             </p:nvSpPr>
             <p:spPr>
               <a:xfrm>
-                <a:off x="410547" y="6049347"/>
-                <a:ext cx="11781453" cy="553998"/>
+                <a:off x="6179975" y="1719943"/>
+                <a:ext cx="5380654" cy="4363887"/>
               </a:xfrm>
               <a:prstGeom prst="rect">
                 <a:avLst/>
@@ -3531,13 +3536,13 @@
                       <m:rPr>
                         <m:sty m:val="p"/>
                       </m:rPr>
-                      <a:rPr lang="en-US" b="0" i="0" smtClean="0">
+                      <a:rPr lang="en-US" sz="3200" b="0" i="0" smtClean="0">
                         <a:latin typeface="Cambria Math" panose="02040503050406030204" pitchFamily="18" charset="0"/>
                       </a:rPr>
                       <m:t>IAT</m:t>
                     </m:r>
                     <m:r>
-                      <a:rPr lang="en-US" b="0" i="0" smtClean="0">
+                      <a:rPr lang="en-US" sz="3200" b="0" i="0" smtClean="0">
                         <a:latin typeface="Cambria Math" panose="02040503050406030204" pitchFamily="18" charset="0"/>
                       </a:rPr>
                       <m:t>=</m:t>
@@ -3546,13 +3551,13 @@
                       <m:rPr>
                         <m:sty m:val="p"/>
                       </m:rPr>
-                      <a:rPr lang="en-US" b="0" i="0" smtClean="0">
+                      <a:rPr lang="en-US" sz="3200" b="0" i="0" smtClean="0">
                         <a:latin typeface="Cambria Math" panose="02040503050406030204" pitchFamily="18" charset="0"/>
                       </a:rPr>
                       <m:t>Cons</m:t>
                     </m:r>
                     <m:r>
-                      <a:rPr lang="en-US" b="0" i="0" smtClean="0">
+                      <a:rPr lang="en-US" sz="3200" b="0" i="0" smtClean="0">
                         <a:latin typeface="Cambria Math" panose="02040503050406030204" pitchFamily="18" charset="0"/>
                       </a:rPr>
                       <m:t>+ </m:t>
@@ -3560,7 +3565,7 @@
                     <m:sSub>
                       <m:sSubPr>
                         <m:ctrlPr>
-                          <a:rPr lang="en-US" b="0" smtClean="0">
+                          <a:rPr lang="en-US" sz="3200" b="0" i="1" smtClean="0">
                             <a:latin typeface="Cambria Math" panose="02040503050406030204" pitchFamily="18" charset="0"/>
                             <a:ea typeface="Cambria Math" panose="02040503050406030204" pitchFamily="18" charset="0"/>
                           </a:rPr>
@@ -3571,7 +3576,7 @@
                           <m:rPr>
                             <m:sty m:val="p"/>
                           </m:rPr>
-                          <a:rPr lang="en-US" b="0" i="0" smtClean="0">
+                          <a:rPr lang="en-US" sz="3200" b="0" i="0" smtClean="0">
                             <a:latin typeface="Cambria Math" panose="02040503050406030204" pitchFamily="18" charset="0"/>
                             <a:ea typeface="Cambria Math" panose="02040503050406030204" pitchFamily="18" charset="0"/>
                           </a:rPr>
@@ -3580,7 +3585,7 @@
                       </m:e>
                       <m:sub>
                         <m:r>
-                          <a:rPr lang="en-US" b="0" i="0" smtClean="0">
+                          <a:rPr lang="en-US" sz="3200" b="0" i="0" smtClean="0">
                             <a:latin typeface="Cambria Math" panose="02040503050406030204" pitchFamily="18" charset="0"/>
                             <a:ea typeface="Cambria Math" panose="02040503050406030204" pitchFamily="18" charset="0"/>
                           </a:rPr>
@@ -3592,14 +3597,14 @@
                       <m:rPr>
                         <m:sty m:val="p"/>
                       </m:rPr>
-                      <a:rPr lang="en-US" b="0" i="0" smtClean="0">
+                      <a:rPr lang="en-US" sz="3200" b="0" i="0" smtClean="0">
                         <a:latin typeface="Cambria Math" panose="02040503050406030204" pitchFamily="18" charset="0"/>
                         <a:ea typeface="Cambria Math" panose="02040503050406030204" pitchFamily="18" charset="0"/>
                       </a:rPr>
                       <m:t>Age</m:t>
                     </m:r>
                     <m:r>
-                      <a:rPr lang="en-US" b="0" i="0" smtClean="0">
+                      <a:rPr lang="en-US" sz="3200" b="0" i="0" smtClean="0">
                         <a:latin typeface="Cambria Math" panose="02040503050406030204" pitchFamily="18" charset="0"/>
                         <a:ea typeface="Cambria Math" panose="02040503050406030204" pitchFamily="18" charset="0"/>
                       </a:rPr>
@@ -3608,7 +3613,7 @@
                     <m:sSub>
                       <m:sSubPr>
                         <m:ctrlPr>
-                          <a:rPr lang="en-US" b="0" smtClean="0">
+                          <a:rPr lang="en-US" sz="3200" b="0" i="1" smtClean="0">
                             <a:latin typeface="Cambria Math" panose="02040503050406030204" pitchFamily="18" charset="0"/>
                             <a:ea typeface="Cambria Math" panose="02040503050406030204" pitchFamily="18" charset="0"/>
                           </a:rPr>
@@ -3619,7 +3624,7 @@
                           <m:rPr>
                             <m:sty m:val="p"/>
                           </m:rPr>
-                          <a:rPr lang="en-US" b="0" i="0" smtClean="0">
+                          <a:rPr lang="en-US" sz="3200" b="0" i="0" smtClean="0">
                             <a:latin typeface="Cambria Math" panose="02040503050406030204" pitchFamily="18" charset="0"/>
                             <a:ea typeface="Cambria Math" panose="02040503050406030204" pitchFamily="18" charset="0"/>
                           </a:rPr>
@@ -3628,7 +3633,476 @@
                       </m:e>
                       <m:sub>
                         <m:r>
-                          <a:rPr lang="en-US" b="0" i="0" smtClean="0">
+                          <a:rPr lang="en-US" sz="3200" b="0" i="0" smtClean="0">
+                            <a:latin typeface="Cambria Math" panose="02040503050406030204" pitchFamily="18" charset="0"/>
+                            <a:ea typeface="Cambria Math" panose="02040503050406030204" pitchFamily="18" charset="0"/>
+                          </a:rPr>
+                          <m:t>2</m:t>
+                        </m:r>
+                      </m:sub>
+                    </m:sSub>
+                    <m:r>
+                      <m:rPr>
+                        <m:sty m:val="p"/>
+                      </m:rPr>
+                      <a:rPr lang="en-US" sz="3200" b="0" i="0" smtClean="0">
+                        <a:latin typeface="Cambria Math" panose="02040503050406030204" pitchFamily="18" charset="0"/>
+                        <a:ea typeface="Cambria Math" panose="02040503050406030204" pitchFamily="18" charset="0"/>
+                      </a:rPr>
+                      <m:t>Sex</m:t>
+                    </m:r>
+                    <m:r>
+                      <a:rPr lang="en-US" sz="3200" b="0" i="0" smtClean="0">
+                        <a:latin typeface="Cambria Math" panose="02040503050406030204" pitchFamily="18" charset="0"/>
+                        <a:ea typeface="Cambria Math" panose="02040503050406030204" pitchFamily="18" charset="0"/>
+                      </a:rPr>
+                      <m:t>+</m:t>
+                    </m:r>
+                    <m:sSub>
+                      <m:sSubPr>
+                        <m:ctrlPr>
+                          <a:rPr lang="en-US" sz="3200" b="0" i="1" smtClean="0">
+                            <a:latin typeface="Cambria Math" panose="02040503050406030204" pitchFamily="18" charset="0"/>
+                            <a:ea typeface="Cambria Math" panose="02040503050406030204" pitchFamily="18" charset="0"/>
+                          </a:rPr>
+                        </m:ctrlPr>
+                      </m:sSubPr>
+                      <m:e>
+                        <m:r>
+                          <m:rPr>
+                            <m:sty m:val="p"/>
+                          </m:rPr>
+                          <a:rPr lang="en-US" sz="3200" b="0" i="0" smtClean="0">
+                            <a:latin typeface="Cambria Math" panose="02040503050406030204" pitchFamily="18" charset="0"/>
+                            <a:ea typeface="Cambria Math" panose="02040503050406030204" pitchFamily="18" charset="0"/>
+                          </a:rPr>
+                          <m:t>β</m:t>
+                        </m:r>
+                      </m:e>
+                      <m:sub>
+                        <m:r>
+                          <a:rPr lang="en-US" sz="3200" b="0" i="0" smtClean="0">
+                            <a:latin typeface="Cambria Math" panose="02040503050406030204" pitchFamily="18" charset="0"/>
+                            <a:ea typeface="Cambria Math" panose="02040503050406030204" pitchFamily="18" charset="0"/>
+                          </a:rPr>
+                          <m:t>3</m:t>
+                        </m:r>
+                      </m:sub>
+                    </m:sSub>
+                    <m:r>
+                      <m:rPr>
+                        <m:sty m:val="p"/>
+                      </m:rPr>
+                      <a:rPr lang="en-US" sz="3200" b="0" i="0" smtClean="0">
+                        <a:latin typeface="Cambria Math" panose="02040503050406030204" pitchFamily="18" charset="0"/>
+                        <a:ea typeface="Cambria Math" panose="02040503050406030204" pitchFamily="18" charset="0"/>
+                      </a:rPr>
+                      <m:t>Straight</m:t>
+                    </m:r>
+                    <m:r>
+                      <a:rPr lang="en-US" sz="3200" b="0" i="0" smtClean="0">
+                        <a:latin typeface="Cambria Math" panose="02040503050406030204" pitchFamily="18" charset="0"/>
+                        <a:ea typeface="Cambria Math" panose="02040503050406030204" pitchFamily="18" charset="0"/>
+                      </a:rPr>
+                      <m:t>+</m:t>
+                    </m:r>
+                    <m:sSub>
+                      <m:sSubPr>
+                        <m:ctrlPr>
+                          <a:rPr lang="en-US" sz="3200" b="0" i="1" smtClean="0">
+                            <a:latin typeface="Cambria Math" panose="02040503050406030204" pitchFamily="18" charset="0"/>
+                            <a:ea typeface="Cambria Math" panose="02040503050406030204" pitchFamily="18" charset="0"/>
+                          </a:rPr>
+                        </m:ctrlPr>
+                      </m:sSubPr>
+                      <m:e>
+                        <m:r>
+                          <m:rPr>
+                            <m:sty m:val="p"/>
+                          </m:rPr>
+                          <a:rPr lang="en-US" sz="3200" b="0" i="0" smtClean="0">
+                            <a:latin typeface="Cambria Math" panose="02040503050406030204" pitchFamily="18" charset="0"/>
+                            <a:ea typeface="Cambria Math" panose="02040503050406030204" pitchFamily="18" charset="0"/>
+                          </a:rPr>
+                          <m:t>β</m:t>
+                        </m:r>
+                      </m:e>
+                      <m:sub>
+                        <m:r>
+                          <a:rPr lang="en-US" sz="3200" b="0" i="0" smtClean="0">
+                            <a:latin typeface="Cambria Math" panose="02040503050406030204" pitchFamily="18" charset="0"/>
+                            <a:ea typeface="Cambria Math" panose="02040503050406030204" pitchFamily="18" charset="0"/>
+                          </a:rPr>
+                          <m:t>4</m:t>
+                        </m:r>
+                      </m:sub>
+                    </m:sSub>
+                    <m:r>
+                      <m:rPr>
+                        <m:sty m:val="p"/>
+                      </m:rPr>
+                      <a:rPr lang="en-US" sz="3200" b="0" i="0" smtClean="0">
+                        <a:latin typeface="Cambria Math" panose="02040503050406030204" pitchFamily="18" charset="0"/>
+                        <a:ea typeface="Cambria Math" panose="02040503050406030204" pitchFamily="18" charset="0"/>
+                      </a:rPr>
+                      <m:t>edu</m:t>
+                    </m:r>
+                    <m:r>
+                      <a:rPr lang="en-US" sz="3200" b="0" i="0" smtClean="0">
+                        <a:latin typeface="Cambria Math" panose="02040503050406030204" pitchFamily="18" charset="0"/>
+                        <a:ea typeface="Cambria Math" panose="02040503050406030204" pitchFamily="18" charset="0"/>
+                      </a:rPr>
+                      <m:t>+ </m:t>
+                    </m:r>
+                    <m:sSub>
+                      <m:sSubPr>
+                        <m:ctrlPr>
+                          <a:rPr lang="en-US" sz="3200" b="0" i="1" smtClean="0">
+                            <a:latin typeface="Cambria Math" panose="02040503050406030204" pitchFamily="18" charset="0"/>
+                            <a:ea typeface="Cambria Math" panose="02040503050406030204" pitchFamily="18" charset="0"/>
+                          </a:rPr>
+                        </m:ctrlPr>
+                      </m:sSubPr>
+                      <m:e>
+                        <m:r>
+                          <m:rPr>
+                            <m:sty m:val="p"/>
+                          </m:rPr>
+                          <a:rPr lang="en-US" sz="3200" b="0" i="0" smtClean="0">
+                            <a:latin typeface="Cambria Math" panose="02040503050406030204" pitchFamily="18" charset="0"/>
+                            <a:ea typeface="Cambria Math" panose="02040503050406030204" pitchFamily="18" charset="0"/>
+                          </a:rPr>
+                          <m:t>β</m:t>
+                        </m:r>
+                      </m:e>
+                      <m:sub>
+                        <m:r>
+                          <a:rPr lang="en-US" sz="3200" b="0" i="0" smtClean="0">
+                            <a:latin typeface="Cambria Math" panose="02040503050406030204" pitchFamily="18" charset="0"/>
+                            <a:ea typeface="Cambria Math" panose="02040503050406030204" pitchFamily="18" charset="0"/>
+                          </a:rPr>
+                          <m:t>5</m:t>
+                        </m:r>
+                      </m:sub>
+                    </m:sSub>
+                    <m:r>
+                      <m:rPr>
+                        <m:sty m:val="p"/>
+                      </m:rPr>
+                      <a:rPr lang="en-US" sz="3200" b="0" i="0" smtClean="0">
+                        <a:latin typeface="Cambria Math" panose="02040503050406030204" pitchFamily="18" charset="0"/>
+                        <a:ea typeface="Cambria Math" panose="02040503050406030204" pitchFamily="18" charset="0"/>
+                      </a:rPr>
+                      <m:t>GnPreg</m:t>
+                    </m:r>
+                    <m:r>
+                      <a:rPr lang="en-US" sz="3200" b="0" i="0" smtClean="0">
+                        <a:latin typeface="Cambria Math" panose="02040503050406030204" pitchFamily="18" charset="0"/>
+                        <a:ea typeface="Cambria Math" panose="02040503050406030204" pitchFamily="18" charset="0"/>
+                      </a:rPr>
+                      <m:t>+</m:t>
+                    </m:r>
+                    <m:sSub>
+                      <m:sSubPr>
+                        <m:ctrlPr>
+                          <a:rPr lang="en-US" sz="3200" b="0" i="1" smtClean="0">
+                            <a:latin typeface="Cambria Math" panose="02040503050406030204" pitchFamily="18" charset="0"/>
+                            <a:ea typeface="Cambria Math" panose="02040503050406030204" pitchFamily="18" charset="0"/>
+                          </a:rPr>
+                        </m:ctrlPr>
+                      </m:sSubPr>
+                      <m:e>
+                        <m:r>
+                          <m:rPr>
+                            <m:sty m:val="p"/>
+                          </m:rPr>
+                          <a:rPr lang="en-US" sz="3200" b="0" i="0" smtClean="0">
+                            <a:latin typeface="Cambria Math" panose="02040503050406030204" pitchFamily="18" charset="0"/>
+                            <a:ea typeface="Cambria Math" panose="02040503050406030204" pitchFamily="18" charset="0"/>
+                          </a:rPr>
+                          <m:t>β</m:t>
+                        </m:r>
+                      </m:e>
+                      <m:sub>
+                        <m:r>
+                          <a:rPr lang="en-US" sz="3200" b="0" i="0" smtClean="0">
+                            <a:latin typeface="Cambria Math" panose="02040503050406030204" pitchFamily="18" charset="0"/>
+                            <a:ea typeface="Cambria Math" panose="02040503050406030204" pitchFamily="18" charset="0"/>
+                          </a:rPr>
+                          <m:t>6</m:t>
+                        </m:r>
+                      </m:sub>
+                    </m:sSub>
+                    <m:r>
+                      <m:rPr>
+                        <m:sty m:val="p"/>
+                      </m:rPr>
+                      <a:rPr lang="en-US" sz="3200" b="0" i="0" smtClean="0">
+                        <a:latin typeface="Cambria Math" panose="02040503050406030204" pitchFamily="18" charset="0"/>
+                        <a:ea typeface="Cambria Math" panose="02040503050406030204" pitchFamily="18" charset="0"/>
+                      </a:rPr>
+                      <m:t>GnFeel</m:t>
+                    </m:r>
+                  </m:oMath>
+                </a14:m>
+                <a:r>
+                  <a:rPr lang="en-US" sz="3200" b="0" dirty="0">
+                    <a:ea typeface="Cambria Math" panose="02040503050406030204" pitchFamily="18" charset="0"/>
+                  </a:rPr>
+                  <a:t> + </a:t>
+                </a:r>
+                <a14:m>
+                  <m:oMath xmlns:m="http://schemas.openxmlformats.org/officeDocument/2006/math">
+                    <m:sSub>
+                      <m:sSubPr>
+                        <m:ctrlPr>
+                          <a:rPr lang="en-US" sz="3200" b="0" i="1" smtClean="0">
+                            <a:latin typeface="Cambria Math" panose="02040503050406030204" pitchFamily="18" charset="0"/>
+                            <a:ea typeface="Cambria Math" panose="02040503050406030204" pitchFamily="18" charset="0"/>
+                          </a:rPr>
+                        </m:ctrlPr>
+                      </m:sSubPr>
+                      <m:e>
+                        <m:r>
+                          <m:rPr>
+                            <m:sty m:val="p"/>
+                          </m:rPr>
+                          <a:rPr lang="en-US" sz="3200" b="0" i="0" smtClean="0">
+                            <a:latin typeface="Cambria Math" panose="02040503050406030204" pitchFamily="18" charset="0"/>
+                            <a:ea typeface="Cambria Math" panose="02040503050406030204" pitchFamily="18" charset="0"/>
+                          </a:rPr>
+                          <m:t>β</m:t>
+                        </m:r>
+                      </m:e>
+                      <m:sub>
+                        <m:r>
+                          <a:rPr lang="en-US" sz="3200" b="0" i="0" smtClean="0">
+                            <a:latin typeface="Cambria Math" panose="02040503050406030204" pitchFamily="18" charset="0"/>
+                            <a:ea typeface="Cambria Math" panose="02040503050406030204" pitchFamily="18" charset="0"/>
+                          </a:rPr>
+                          <m:t>7</m:t>
+                        </m:r>
+                      </m:sub>
+                    </m:sSub>
+                    <m:r>
+                      <m:rPr>
+                        <m:sty m:val="p"/>
+                      </m:rPr>
+                      <a:rPr lang="en-US" sz="3200" b="0" i="0" smtClean="0">
+                        <a:latin typeface="Cambria Math" panose="02040503050406030204" pitchFamily="18" charset="0"/>
+                        <a:ea typeface="Cambria Math" panose="02040503050406030204" pitchFamily="18" charset="0"/>
+                      </a:rPr>
+                      <m:t>pref</m:t>
+                    </m:r>
+                    <m:r>
+                      <a:rPr lang="en-US" sz="3200" b="0" i="0" smtClean="0">
+                        <a:latin typeface="Cambria Math" panose="02040503050406030204" pitchFamily="18" charset="0"/>
+                        <a:ea typeface="Cambria Math" panose="02040503050406030204" pitchFamily="18" charset="0"/>
+                      </a:rPr>
+                      <m:t>_</m:t>
+                    </m:r>
+                    <m:r>
+                      <m:rPr>
+                        <m:sty m:val="p"/>
+                      </m:rPr>
+                      <a:rPr lang="en-US" sz="3200" b="0" i="0" smtClean="0">
+                        <a:latin typeface="Cambria Math" panose="02040503050406030204" pitchFamily="18" charset="0"/>
+                        <a:ea typeface="Cambria Math" panose="02040503050406030204" pitchFamily="18" charset="0"/>
+                      </a:rPr>
+                      <m:t>straight</m:t>
+                    </m:r>
+                  </m:oMath>
+                </a14:m>
+                <a:r>
+                  <a:rPr lang="en-US" sz="3200" b="0" dirty="0">
+                    <a:ea typeface="Cambria Math" panose="02040503050406030204" pitchFamily="18" charset="0"/>
+                  </a:rPr>
+                  <a:t> + </a:t>
+                </a:r>
+                <a14:m>
+                  <m:oMath xmlns:m="http://schemas.openxmlformats.org/officeDocument/2006/math">
+                    <m:sSub>
+                      <m:sSubPr>
+                        <m:ctrlPr>
+                          <a:rPr lang="en-US" sz="3200" b="0" i="1" smtClean="0">
+                            <a:latin typeface="Cambria Math" panose="02040503050406030204" pitchFamily="18" charset="0"/>
+                            <a:ea typeface="Cambria Math" panose="02040503050406030204" pitchFamily="18" charset="0"/>
+                          </a:rPr>
+                        </m:ctrlPr>
+                      </m:sSubPr>
+                      <m:e>
+                        <m:r>
+                          <m:rPr>
+                            <m:sty m:val="p"/>
+                          </m:rPr>
+                          <a:rPr lang="en-US" sz="3200" b="0" i="0" smtClean="0">
+                            <a:latin typeface="Cambria Math" panose="02040503050406030204" pitchFamily="18" charset="0"/>
+                            <a:ea typeface="Cambria Math" panose="02040503050406030204" pitchFamily="18" charset="0"/>
+                          </a:rPr>
+                          <m:t>β</m:t>
+                        </m:r>
+                      </m:e>
+                      <m:sub>
+                        <m:r>
+                          <a:rPr lang="en-US" sz="3200" b="0" i="0" smtClean="0">
+                            <a:latin typeface="Cambria Math" panose="02040503050406030204" pitchFamily="18" charset="0"/>
+                            <a:ea typeface="Cambria Math" panose="02040503050406030204" pitchFamily="18" charset="0"/>
+                          </a:rPr>
+                          <m:t>8</m:t>
+                        </m:r>
+                      </m:sub>
+                    </m:sSub>
+                    <m:r>
+                      <m:rPr>
+                        <m:sty m:val="p"/>
+                      </m:rPr>
+                      <a:rPr lang="en-US" sz="3200" b="0" i="0" smtClean="0">
+                        <a:latin typeface="Cambria Math" panose="02040503050406030204" pitchFamily="18" charset="0"/>
+                        <a:ea typeface="Cambria Math" panose="02040503050406030204" pitchFamily="18" charset="0"/>
+                      </a:rPr>
+                      <m:t>liberal</m:t>
+                    </m:r>
+                    <m:r>
+                      <a:rPr lang="en-US" sz="3200" b="0" i="0" smtClean="0">
+                        <a:latin typeface="Cambria Math" panose="02040503050406030204" pitchFamily="18" charset="0"/>
+                        <a:ea typeface="Cambria Math" panose="02040503050406030204" pitchFamily="18" charset="0"/>
+                      </a:rPr>
+                      <m:t>+</m:t>
+                    </m:r>
+                    <m:sSub>
+                      <m:sSubPr>
+                        <m:ctrlPr>
+                          <a:rPr lang="en-US" sz="3200" b="0" i="1" smtClean="0">
+                            <a:latin typeface="Cambria Math" panose="02040503050406030204" pitchFamily="18" charset="0"/>
+                            <a:ea typeface="Cambria Math" panose="02040503050406030204" pitchFamily="18" charset="0"/>
+                          </a:rPr>
+                        </m:ctrlPr>
+                      </m:sSubPr>
+                      <m:e>
+                        <m:r>
+                          <m:rPr>
+                            <m:sty m:val="p"/>
+                          </m:rPr>
+                          <a:rPr lang="en-US" sz="3200" b="0" i="0" smtClean="0">
+                            <a:latin typeface="Cambria Math" panose="02040503050406030204" pitchFamily="18" charset="0"/>
+                            <a:ea typeface="Cambria Math" panose="02040503050406030204" pitchFamily="18" charset="0"/>
+                          </a:rPr>
+                          <m:t>β</m:t>
+                        </m:r>
+                      </m:e>
+                      <m:sub>
+                        <m:r>
+                          <a:rPr lang="en-US" sz="3200" b="0" i="0" smtClean="0">
+                            <a:latin typeface="Cambria Math" panose="02040503050406030204" pitchFamily="18" charset="0"/>
+                            <a:ea typeface="Cambria Math" panose="02040503050406030204" pitchFamily="18" charset="0"/>
+                          </a:rPr>
+                          <m:t>9</m:t>
+                        </m:r>
+                      </m:sub>
+                    </m:sSub>
+                    <m:r>
+                      <m:rPr>
+                        <m:sty m:val="p"/>
+                      </m:rPr>
+                      <a:rPr lang="en-US" sz="3200" b="0" i="0" smtClean="0">
+                        <a:latin typeface="Cambria Math" panose="02040503050406030204" pitchFamily="18" charset="0"/>
+                        <a:ea typeface="Cambria Math" panose="02040503050406030204" pitchFamily="18" charset="0"/>
+                      </a:rPr>
+                      <m:t>Religious</m:t>
+                    </m:r>
+                    <m:r>
+                      <a:rPr lang="en-US" sz="3200" b="0" i="0" smtClean="0">
+                        <a:latin typeface="Cambria Math" panose="02040503050406030204" pitchFamily="18" charset="0"/>
+                        <a:ea typeface="Cambria Math" panose="02040503050406030204" pitchFamily="18" charset="0"/>
+                      </a:rPr>
+                      <m:t>+</m:t>
+                    </m:r>
+                    <m:sSub>
+                      <m:sSubPr>
+                        <m:ctrlPr>
+                          <a:rPr lang="en-US" sz="3200" b="0" i="1" smtClean="0">
+                            <a:latin typeface="Cambria Math" panose="02040503050406030204" pitchFamily="18" charset="0"/>
+                            <a:ea typeface="Cambria Math" panose="02040503050406030204" pitchFamily="18" charset="0"/>
+                          </a:rPr>
+                        </m:ctrlPr>
+                      </m:sSubPr>
+                      <m:e>
+                        <m:r>
+                          <m:rPr>
+                            <m:sty m:val="p"/>
+                          </m:rPr>
+                          <a:rPr lang="en-US" sz="3200" b="0" i="0" smtClean="0">
+                            <a:latin typeface="Cambria Math" panose="02040503050406030204" pitchFamily="18" charset="0"/>
+                            <a:ea typeface="Cambria Math" panose="02040503050406030204" pitchFamily="18" charset="0"/>
+                          </a:rPr>
+                          <m:t>β</m:t>
+                        </m:r>
+                      </m:e>
+                      <m:sub>
+                        <m:r>
+                          <a:rPr lang="en-US" sz="3200" b="0" i="0" smtClean="0">
+                            <a:latin typeface="Cambria Math" panose="02040503050406030204" pitchFamily="18" charset="0"/>
+                            <a:ea typeface="Cambria Math" panose="02040503050406030204" pitchFamily="18" charset="0"/>
+                          </a:rPr>
+                          <m:t>1</m:t>
+                        </m:r>
+                        <m:r>
+                          <a:rPr lang="en-US" sz="3200" b="0" i="0" smtClean="0">
+                            <a:latin typeface="Cambria Math" panose="02040503050406030204" pitchFamily="18" charset="0"/>
+                            <a:ea typeface="Cambria Math" panose="02040503050406030204" pitchFamily="18" charset="0"/>
+                          </a:rPr>
+                          <m:t>0</m:t>
+                        </m:r>
+                      </m:sub>
+                    </m:sSub>
+                    <m:r>
+                      <m:rPr>
+                        <m:sty m:val="p"/>
+                      </m:rPr>
+                      <a:rPr lang="en-US" sz="3200" b="0" i="0" smtClean="0">
+                        <a:latin typeface="Cambria Math" panose="02040503050406030204" pitchFamily="18" charset="0"/>
+                        <a:ea typeface="Cambria Math" panose="02040503050406030204" pitchFamily="18" charset="0"/>
+                      </a:rPr>
+                      <m:t>FamGay</m:t>
+                    </m:r>
+                    <m:r>
+                      <a:rPr lang="en-US" sz="3200" b="0" i="0" smtClean="0">
+                        <a:latin typeface="Cambria Math" panose="02040503050406030204" pitchFamily="18" charset="0"/>
+                        <a:ea typeface="Cambria Math" panose="02040503050406030204" pitchFamily="18" charset="0"/>
+                      </a:rPr>
+                      <m:t>+</m:t>
+                    </m:r>
+                    <m:sSub>
+                      <m:sSubPr>
+                        <m:ctrlPr>
+                          <a:rPr lang="en-US" sz="3200" b="0" i="1" smtClean="0">
+                            <a:latin typeface="Cambria Math" panose="02040503050406030204" pitchFamily="18" charset="0"/>
+                            <a:ea typeface="Cambria Math" panose="02040503050406030204" pitchFamily="18" charset="0"/>
+                          </a:rPr>
+                        </m:ctrlPr>
+                      </m:sSubPr>
+                      <m:e>
+                        <m:r>
+                          <m:rPr>
+                            <m:sty m:val="p"/>
+                          </m:rPr>
+                          <a:rPr lang="en-US" sz="3200" b="0" i="0" smtClean="0">
+                            <a:latin typeface="Cambria Math" panose="02040503050406030204" pitchFamily="18" charset="0"/>
+                            <a:ea typeface="Cambria Math" panose="02040503050406030204" pitchFamily="18" charset="0"/>
+                          </a:rPr>
+                          <m:t>β</m:t>
+                        </m:r>
+                      </m:e>
+                      <m:sub>
+                        <m:r>
+                          <a:rPr lang="en-US" sz="3200" b="0" i="0" smtClean="0">
+                            <a:latin typeface="Cambria Math" panose="02040503050406030204" pitchFamily="18" charset="0"/>
+                            <a:ea typeface="Cambria Math" panose="02040503050406030204" pitchFamily="18" charset="0"/>
+                          </a:rPr>
+                          <m:t>1</m:t>
+                        </m:r>
+                        <m:r>
+                          <a:rPr lang="en-US" sz="3200" b="0" i="0" smtClean="0">
                             <a:latin typeface="Cambria Math" panose="02040503050406030204" pitchFamily="18" charset="0"/>
                             <a:ea typeface="Cambria Math" panose="02040503050406030204" pitchFamily="18" charset="0"/>
                           </a:rPr>
@@ -3640,14 +4114,14 @@
                       <m:rPr>
                         <m:sty m:val="p"/>
                       </m:rPr>
-                      <a:rPr lang="en-US" b="0" i="0" smtClean="0">
+                      <a:rPr lang="en-US" sz="3200" b="0" i="0" smtClean="0">
                         <a:latin typeface="Cambria Math" panose="02040503050406030204" pitchFamily="18" charset="0"/>
                         <a:ea typeface="Cambria Math" panose="02040503050406030204" pitchFamily="18" charset="0"/>
                       </a:rPr>
-                      <m:t>Sex</m:t>
+                      <m:t>FriendGay</m:t>
                     </m:r>
                     <m:r>
-                      <a:rPr lang="en-US" b="0" i="0" smtClean="0">
+                      <a:rPr lang="en-US" sz="3200" b="0" i="0" smtClean="0">
                         <a:latin typeface="Cambria Math" panose="02040503050406030204" pitchFamily="18" charset="0"/>
                         <a:ea typeface="Cambria Math" panose="02040503050406030204" pitchFamily="18" charset="0"/>
                       </a:rPr>
@@ -3656,7 +4130,7 @@
                     <m:sSub>
                       <m:sSubPr>
                         <m:ctrlPr>
-                          <a:rPr lang="en-US" b="0" smtClean="0">
+                          <a:rPr lang="en-US" sz="3200" b="0" i="1" smtClean="0">
                             <a:latin typeface="Cambria Math" panose="02040503050406030204" pitchFamily="18" charset="0"/>
                             <a:ea typeface="Cambria Math" panose="02040503050406030204" pitchFamily="18" charset="0"/>
                           </a:rPr>
@@ -3667,7 +4141,7 @@
                           <m:rPr>
                             <m:sty m:val="p"/>
                           </m:rPr>
-                          <a:rPr lang="en-US" b="0" i="0" smtClean="0">
+                          <a:rPr lang="en-US" sz="3200" b="0" i="0" smtClean="0">
                             <a:latin typeface="Cambria Math" panose="02040503050406030204" pitchFamily="18" charset="0"/>
                             <a:ea typeface="Cambria Math" panose="02040503050406030204" pitchFamily="18" charset="0"/>
                           </a:rPr>
@@ -3676,11 +4150,18 @@
                       </m:e>
                       <m:sub>
                         <m:r>
-                          <a:rPr lang="en-US" b="0" i="0" smtClean="0">
+                          <a:rPr lang="en-US" sz="3200" b="0" i="0" smtClean="0">
                             <a:latin typeface="Cambria Math" panose="02040503050406030204" pitchFamily="18" charset="0"/>
                             <a:ea typeface="Cambria Math" panose="02040503050406030204" pitchFamily="18" charset="0"/>
                           </a:rPr>
                           <m:t>1</m:t>
+                        </m:r>
+                        <m:r>
+                          <a:rPr lang="en-US" sz="3200" b="0" i="0" smtClean="0">
+                            <a:latin typeface="Cambria Math" panose="02040503050406030204" pitchFamily="18" charset="0"/>
+                            <a:ea typeface="Cambria Math" panose="02040503050406030204" pitchFamily="18" charset="0"/>
+                          </a:rPr>
+                          <m:t>2</m:t>
                         </m:r>
                       </m:sub>
                     </m:sSub>
@@ -3688,14 +4169,14 @@
                       <m:rPr>
                         <m:sty m:val="p"/>
                       </m:rPr>
-                      <a:rPr lang="en-US" b="0" i="0" smtClean="0">
+                      <a:rPr lang="en-US" sz="3200" b="0" i="0" smtClean="0">
                         <a:latin typeface="Cambria Math" panose="02040503050406030204" pitchFamily="18" charset="0"/>
                         <a:ea typeface="Cambria Math" panose="02040503050406030204" pitchFamily="18" charset="0"/>
                       </a:rPr>
-                      <m:t>Straight</m:t>
+                      <m:t>GayFriendly</m:t>
                     </m:r>
                     <m:r>
-                      <a:rPr lang="en-US" b="0" i="0" smtClean="0">
+                      <a:rPr lang="en-US" sz="3200" b="0" i="0" smtClean="0">
                         <a:latin typeface="Cambria Math" panose="02040503050406030204" pitchFamily="18" charset="0"/>
                         <a:ea typeface="Cambria Math" panose="02040503050406030204" pitchFamily="18" charset="0"/>
                       </a:rPr>
@@ -3704,7 +4185,7 @@
                     <m:sSub>
                       <m:sSubPr>
                         <m:ctrlPr>
-                          <a:rPr lang="en-US" b="0" smtClean="0">
+                          <a:rPr lang="en-US" sz="3200" b="0" i="1" smtClean="0">
                             <a:latin typeface="Cambria Math" panose="02040503050406030204" pitchFamily="18" charset="0"/>
                             <a:ea typeface="Cambria Math" panose="02040503050406030204" pitchFamily="18" charset="0"/>
                           </a:rPr>
@@ -3715,7 +4196,7 @@
                           <m:rPr>
                             <m:sty m:val="p"/>
                           </m:rPr>
-                          <a:rPr lang="en-US" b="0" i="0" smtClean="0">
+                          <a:rPr lang="en-US" sz="3200" b="0" i="0" smtClean="0">
                             <a:latin typeface="Cambria Math" panose="02040503050406030204" pitchFamily="18" charset="0"/>
                             <a:ea typeface="Cambria Math" panose="02040503050406030204" pitchFamily="18" charset="0"/>
                           </a:rPr>
@@ -3724,11 +4205,18 @@
                       </m:e>
                       <m:sub>
                         <m:r>
-                          <a:rPr lang="en-US" b="0" i="0" smtClean="0">
+                          <a:rPr lang="en-US" sz="3200" b="0" i="0" smtClean="0">
                             <a:latin typeface="Cambria Math" panose="02040503050406030204" pitchFamily="18" charset="0"/>
                             <a:ea typeface="Cambria Math" panose="02040503050406030204" pitchFamily="18" charset="0"/>
                           </a:rPr>
                           <m:t>1</m:t>
+                        </m:r>
+                        <m:r>
+                          <a:rPr lang="en-US" sz="3200" b="0" i="0" smtClean="0">
+                            <a:latin typeface="Cambria Math" panose="02040503050406030204" pitchFamily="18" charset="0"/>
+                            <a:ea typeface="Cambria Math" panose="02040503050406030204" pitchFamily="18" charset="0"/>
+                          </a:rPr>
+                          <m:t>3</m:t>
                         </m:r>
                       </m:sub>
                     </m:sSub>
@@ -3736,23 +4224,23 @@
                       <m:rPr>
                         <m:sty m:val="p"/>
                       </m:rPr>
-                      <a:rPr lang="en-US" b="0" i="0" smtClean="0">
+                      <a:rPr lang="en-US" sz="3200" b="0" i="0" smtClean="0">
                         <a:latin typeface="Cambria Math" panose="02040503050406030204" pitchFamily="18" charset="0"/>
                         <a:ea typeface="Cambria Math" panose="02040503050406030204" pitchFamily="18" charset="0"/>
                       </a:rPr>
-                      <m:t>edu</m:t>
+                      <m:t>nonBinary</m:t>
                     </m:r>
                     <m:r>
-                      <a:rPr lang="en-US" b="0" i="0" smtClean="0">
+                      <a:rPr lang="en-US" sz="3200" b="0" i="0" smtClean="0">
                         <a:latin typeface="Cambria Math" panose="02040503050406030204" pitchFamily="18" charset="0"/>
                         <a:ea typeface="Cambria Math" panose="02040503050406030204" pitchFamily="18" charset="0"/>
                       </a:rPr>
-                      <m:t>+ </m:t>
+                      <m:t>+</m:t>
                     </m:r>
                     <m:sSub>
                       <m:sSubPr>
                         <m:ctrlPr>
-                          <a:rPr lang="en-US" b="0" smtClean="0">
+                          <a:rPr lang="en-US" sz="3200" b="0" i="1" smtClean="0">
                             <a:latin typeface="Cambria Math" panose="02040503050406030204" pitchFamily="18" charset="0"/>
                             <a:ea typeface="Cambria Math" panose="02040503050406030204" pitchFamily="18" charset="0"/>
                           </a:rPr>
@@ -3763,7 +4251,7 @@
                           <m:rPr>
                             <m:sty m:val="p"/>
                           </m:rPr>
-                          <a:rPr lang="en-US" b="0" i="0" smtClean="0">
+                          <a:rPr lang="en-US" sz="3200" b="0" i="0" smtClean="0">
                             <a:latin typeface="Cambria Math" panose="02040503050406030204" pitchFamily="18" charset="0"/>
                             <a:ea typeface="Cambria Math" panose="02040503050406030204" pitchFamily="18" charset="0"/>
                           </a:rPr>
@@ -3772,11 +4260,18 @@
                       </m:e>
                       <m:sub>
                         <m:r>
-                          <a:rPr lang="en-US" b="0" i="0" smtClean="0">
+                          <a:rPr lang="en-US" sz="3200" b="0" i="0" smtClean="0">
                             <a:latin typeface="Cambria Math" panose="02040503050406030204" pitchFamily="18" charset="0"/>
                             <a:ea typeface="Cambria Math" panose="02040503050406030204" pitchFamily="18" charset="0"/>
                           </a:rPr>
                           <m:t>1</m:t>
+                        </m:r>
+                        <m:r>
+                          <a:rPr lang="en-US" sz="3200" b="0" i="0" smtClean="0">
+                            <a:latin typeface="Cambria Math" panose="02040503050406030204" pitchFamily="18" charset="0"/>
+                            <a:ea typeface="Cambria Math" panose="02040503050406030204" pitchFamily="18" charset="0"/>
+                          </a:rPr>
+                          <m:t>4</m:t>
                         </m:r>
                       </m:sub>
                     </m:sSub>
@@ -3784,14 +4279,14 @@
                       <m:rPr>
                         <m:sty m:val="p"/>
                       </m:rPr>
-                      <a:rPr lang="en-US" b="0" i="0" smtClean="0">
+                      <a:rPr lang="en-US" sz="3200" b="0" i="0" smtClean="0">
                         <a:latin typeface="Cambria Math" panose="02040503050406030204" pitchFamily="18" charset="0"/>
                         <a:ea typeface="Cambria Math" panose="02040503050406030204" pitchFamily="18" charset="0"/>
                       </a:rPr>
-                      <m:t>GnPreg</m:t>
+                      <m:t>Race</m:t>
                     </m:r>
                     <m:r>
-                      <a:rPr lang="en-US" b="0" i="0" smtClean="0">
+                      <a:rPr lang="en-US" sz="3200" b="0" i="0" smtClean="0">
                         <a:latin typeface="Cambria Math" panose="02040503050406030204" pitchFamily="18" charset="0"/>
                         <a:ea typeface="Cambria Math" panose="02040503050406030204" pitchFamily="18" charset="0"/>
                       </a:rPr>
@@ -3800,7 +4295,7 @@
                     <m:sSub>
                       <m:sSubPr>
                         <m:ctrlPr>
-                          <a:rPr lang="en-US" b="0" smtClean="0">
+                          <a:rPr lang="en-US" sz="3200" b="0" i="1" smtClean="0">
                             <a:latin typeface="Cambria Math" panose="02040503050406030204" pitchFamily="18" charset="0"/>
                             <a:ea typeface="Cambria Math" panose="02040503050406030204" pitchFamily="18" charset="0"/>
                           </a:rPr>
@@ -3811,7 +4306,7 @@
                           <m:rPr>
                             <m:sty m:val="p"/>
                           </m:rPr>
-                          <a:rPr lang="en-US" b="0" i="0" smtClean="0">
+                          <a:rPr lang="en-US" sz="3200" b="0" i="0" smtClean="0">
                             <a:latin typeface="Cambria Math" panose="02040503050406030204" pitchFamily="18" charset="0"/>
                             <a:ea typeface="Cambria Math" panose="02040503050406030204" pitchFamily="18" charset="0"/>
                           </a:rPr>
@@ -3820,11 +4315,18 @@
                       </m:e>
                       <m:sub>
                         <m:r>
-                          <a:rPr lang="en-US" b="0" i="0" smtClean="0">
+                          <a:rPr lang="en-US" sz="3200" b="0" i="0" smtClean="0">
                             <a:latin typeface="Cambria Math" panose="02040503050406030204" pitchFamily="18" charset="0"/>
                             <a:ea typeface="Cambria Math" panose="02040503050406030204" pitchFamily="18" charset="0"/>
                           </a:rPr>
                           <m:t>1</m:t>
+                        </m:r>
+                        <m:r>
+                          <a:rPr lang="en-US" sz="3200" b="0" i="0" smtClean="0">
+                            <a:latin typeface="Cambria Math" panose="02040503050406030204" pitchFamily="18" charset="0"/>
+                            <a:ea typeface="Cambria Math" panose="02040503050406030204" pitchFamily="18" charset="0"/>
+                          </a:rPr>
+                          <m:t>5</m:t>
                         </m:r>
                       </m:sub>
                     </m:sSub>
@@ -3832,501 +4334,32 @@
                       <m:rPr>
                         <m:sty m:val="p"/>
                       </m:rPr>
-                      <a:rPr lang="en-US" b="0" i="0" smtClean="0">
+                      <a:rPr lang="en-US" sz="3200" b="0" i="0" smtClean="0">
                         <a:latin typeface="Cambria Math" panose="02040503050406030204" pitchFamily="18" charset="0"/>
                         <a:ea typeface="Cambria Math" panose="02040503050406030204" pitchFamily="18" charset="0"/>
                       </a:rPr>
-                      <m:t>GnFeel</m:t>
+                      <m:t>order</m:t>
                     </m:r>
-                  </m:oMath>
-                </a14:m>
-                <a:r>
-                  <a:rPr lang="en-US" b="0" dirty="0">
-                    <a:ea typeface="Cambria Math" panose="02040503050406030204" pitchFamily="18" charset="0"/>
-                  </a:rPr>
-                  <a:t> + </a:t>
-                </a:r>
-                <a14:m>
-                  <m:oMath xmlns:m="http://schemas.openxmlformats.org/officeDocument/2006/math">
-                    <m:sSub>
-                      <m:sSubPr>
-                        <m:ctrlPr>
-                          <a:rPr lang="en-US" b="0" smtClean="0">
-                            <a:latin typeface="Cambria Math" panose="02040503050406030204" pitchFamily="18" charset="0"/>
-                            <a:ea typeface="Cambria Math" panose="02040503050406030204" pitchFamily="18" charset="0"/>
-                          </a:rPr>
-                        </m:ctrlPr>
-                      </m:sSubPr>
-                      <m:e>
-                        <m:r>
-                          <m:rPr>
-                            <m:sty m:val="p"/>
-                          </m:rPr>
-                          <a:rPr lang="en-US" b="0" i="0" smtClean="0">
-                            <a:latin typeface="Cambria Math" panose="02040503050406030204" pitchFamily="18" charset="0"/>
-                            <a:ea typeface="Cambria Math" panose="02040503050406030204" pitchFamily="18" charset="0"/>
-                          </a:rPr>
-                          <m:t>β</m:t>
-                        </m:r>
-                      </m:e>
-                      <m:sub>
-                        <m:r>
-                          <a:rPr lang="en-US" b="0" i="0" smtClean="0">
-                            <a:latin typeface="Cambria Math" panose="02040503050406030204" pitchFamily="18" charset="0"/>
-                            <a:ea typeface="Cambria Math" panose="02040503050406030204" pitchFamily="18" charset="0"/>
-                          </a:rPr>
-                          <m:t>1</m:t>
-                        </m:r>
-                      </m:sub>
-                    </m:sSub>
                     <m:r>
-                      <m:rPr>
-                        <m:sty m:val="p"/>
-                      </m:rPr>
-                      <a:rPr lang="en-US" b="0" i="0" smtClean="0">
+                      <a:rPr lang="en-US" sz="3200" b="0" i="0" smtClean="0">
                         <a:latin typeface="Cambria Math" panose="02040503050406030204" pitchFamily="18" charset="0"/>
                         <a:ea typeface="Cambria Math" panose="02040503050406030204" pitchFamily="18" charset="0"/>
                       </a:rPr>
-                      <m:t>pref</m:t>
-                    </m:r>
-                    <m:r>
-                      <a:rPr lang="en-US" b="0" i="0" smtClean="0">
-                        <a:latin typeface="Cambria Math" panose="02040503050406030204" pitchFamily="18" charset="0"/>
-                        <a:ea typeface="Cambria Math" panose="02040503050406030204" pitchFamily="18" charset="0"/>
-                      </a:rPr>
-                      <m:t>_</m:t>
+                      <m:t>+</m:t>
                     </m:r>
                     <m:r>
                       <m:rPr>
                         <m:sty m:val="p"/>
                       </m:rPr>
-                      <a:rPr lang="en-US" b="0" i="0" smtClean="0">
+                      <a:rPr lang="en-US" sz="3200" b="0" i="0" smtClean="0">
                         <a:latin typeface="Cambria Math" panose="02040503050406030204" pitchFamily="18" charset="0"/>
                         <a:ea typeface="Cambria Math" panose="02040503050406030204" pitchFamily="18" charset="0"/>
                       </a:rPr>
-                      <m:t>straight</m:t>
+                      <m:t>Errors</m:t>
                     </m:r>
                   </m:oMath>
                 </a14:m>
-                <a:r>
-                  <a:rPr lang="en-US" b="0" dirty="0">
-                    <a:ea typeface="Cambria Math" panose="02040503050406030204" pitchFamily="18" charset="0"/>
-                  </a:rPr>
-                  <a:t> + </a:t>
-                </a:r>
-                <a14:m>
-                  <m:oMath xmlns:m="http://schemas.openxmlformats.org/officeDocument/2006/math">
-                    <m:sSub>
-                      <m:sSubPr>
-                        <m:ctrlPr>
-                          <a:rPr lang="en-US" b="0" smtClean="0">
-                            <a:latin typeface="Cambria Math" panose="02040503050406030204" pitchFamily="18" charset="0"/>
-                            <a:ea typeface="Cambria Math" panose="02040503050406030204" pitchFamily="18" charset="0"/>
-                          </a:rPr>
-                        </m:ctrlPr>
-                      </m:sSubPr>
-                      <m:e>
-                        <m:r>
-                          <m:rPr>
-                            <m:sty m:val="p"/>
-                          </m:rPr>
-                          <a:rPr lang="en-US" b="0" i="0" smtClean="0">
-                            <a:latin typeface="Cambria Math" panose="02040503050406030204" pitchFamily="18" charset="0"/>
-                            <a:ea typeface="Cambria Math" panose="02040503050406030204" pitchFamily="18" charset="0"/>
-                          </a:rPr>
-                          <m:t>β</m:t>
-                        </m:r>
-                      </m:e>
-                      <m:sub>
-                        <m:r>
-                          <a:rPr lang="en-US" b="0" i="0" smtClean="0">
-                            <a:latin typeface="Cambria Math" panose="02040503050406030204" pitchFamily="18" charset="0"/>
-                            <a:ea typeface="Cambria Math" panose="02040503050406030204" pitchFamily="18" charset="0"/>
-                          </a:rPr>
-                          <m:t>1</m:t>
-                        </m:r>
-                      </m:sub>
-                    </m:sSub>
-                    <m:r>
-                      <m:rPr>
-                        <m:sty m:val="p"/>
-                      </m:rPr>
-                      <a:rPr lang="en-US" b="0" i="0" smtClean="0">
-                        <a:latin typeface="Cambria Math" panose="02040503050406030204" pitchFamily="18" charset="0"/>
-                        <a:ea typeface="Cambria Math" panose="02040503050406030204" pitchFamily="18" charset="0"/>
-                      </a:rPr>
-                      <m:t>liberal</m:t>
-                    </m:r>
-                    <m:r>
-                      <a:rPr lang="en-US" b="0" i="0" smtClean="0">
-                        <a:latin typeface="Cambria Math" panose="02040503050406030204" pitchFamily="18" charset="0"/>
-                        <a:ea typeface="Cambria Math" panose="02040503050406030204" pitchFamily="18" charset="0"/>
-                      </a:rPr>
-                      <m:t>+</m:t>
-                    </m:r>
-                  </m:oMath>
-                </a14:m>
-                <a:endParaRPr lang="en-US" b="0" dirty="0">
-                  <a:ea typeface="Cambria Math" panose="02040503050406030204" pitchFamily="18" charset="0"/>
-                </a:endParaRPr>
-              </a:p>
-              <a:p>
-                <a14:m>
-                  <m:oMathPara xmlns:m="http://schemas.openxmlformats.org/officeDocument/2006/math">
-                    <m:oMathParaPr>
-                      <m:jc m:val="centerGroup"/>
-                    </m:oMathParaPr>
-                    <m:oMath xmlns:m="http://schemas.openxmlformats.org/officeDocument/2006/math">
-                      <m:sSub>
-                        <m:sSubPr>
-                          <m:ctrlPr>
-                            <a:rPr lang="en-US" b="0" smtClean="0">
-                              <a:latin typeface="Cambria Math" panose="02040503050406030204" pitchFamily="18" charset="0"/>
-                              <a:ea typeface="Cambria Math" panose="02040503050406030204" pitchFamily="18" charset="0"/>
-                            </a:rPr>
-                          </m:ctrlPr>
-                        </m:sSubPr>
-                        <m:e>
-                          <m:r>
-                            <m:rPr>
-                              <m:sty m:val="p"/>
-                            </m:rPr>
-                            <a:rPr lang="en-US" b="0" i="0" smtClean="0">
-                              <a:latin typeface="Cambria Math" panose="02040503050406030204" pitchFamily="18" charset="0"/>
-                              <a:ea typeface="Cambria Math" panose="02040503050406030204" pitchFamily="18" charset="0"/>
-                            </a:rPr>
-                            <m:t>β</m:t>
-                          </m:r>
-                        </m:e>
-                        <m:sub>
-                          <m:r>
-                            <a:rPr lang="en-US" b="0" i="0" smtClean="0">
-                              <a:latin typeface="Cambria Math" panose="02040503050406030204" pitchFamily="18" charset="0"/>
-                              <a:ea typeface="Cambria Math" panose="02040503050406030204" pitchFamily="18" charset="0"/>
-                            </a:rPr>
-                            <m:t>1</m:t>
-                          </m:r>
-                        </m:sub>
-                      </m:sSub>
-                      <m:r>
-                        <m:rPr>
-                          <m:sty m:val="p"/>
-                        </m:rPr>
-                        <a:rPr lang="en-US" b="0" i="0" smtClean="0">
-                          <a:latin typeface="Cambria Math" panose="02040503050406030204" pitchFamily="18" charset="0"/>
-                          <a:ea typeface="Cambria Math" panose="02040503050406030204" pitchFamily="18" charset="0"/>
-                        </a:rPr>
-                        <m:t>Religious</m:t>
-                      </m:r>
-                      <m:r>
-                        <a:rPr lang="en-US" b="0" i="0" smtClean="0">
-                          <a:latin typeface="Cambria Math" panose="02040503050406030204" pitchFamily="18" charset="0"/>
-                          <a:ea typeface="Cambria Math" panose="02040503050406030204" pitchFamily="18" charset="0"/>
-                        </a:rPr>
-                        <m:t>+</m:t>
-                      </m:r>
-                      <m:sSub>
-                        <m:sSubPr>
-                          <m:ctrlPr>
-                            <a:rPr lang="en-US" b="0" smtClean="0">
-                              <a:latin typeface="Cambria Math" panose="02040503050406030204" pitchFamily="18" charset="0"/>
-                              <a:ea typeface="Cambria Math" panose="02040503050406030204" pitchFamily="18" charset="0"/>
-                            </a:rPr>
-                          </m:ctrlPr>
-                        </m:sSubPr>
-                        <m:e>
-                          <m:r>
-                            <m:rPr>
-                              <m:sty m:val="p"/>
-                            </m:rPr>
-                            <a:rPr lang="en-US" b="0" i="0" smtClean="0">
-                              <a:latin typeface="Cambria Math" panose="02040503050406030204" pitchFamily="18" charset="0"/>
-                              <a:ea typeface="Cambria Math" panose="02040503050406030204" pitchFamily="18" charset="0"/>
-                            </a:rPr>
-                            <m:t>β</m:t>
-                          </m:r>
-                        </m:e>
-                        <m:sub>
-                          <m:r>
-                            <a:rPr lang="en-US" b="0" i="0" smtClean="0">
-                              <a:latin typeface="Cambria Math" panose="02040503050406030204" pitchFamily="18" charset="0"/>
-                              <a:ea typeface="Cambria Math" panose="02040503050406030204" pitchFamily="18" charset="0"/>
-                            </a:rPr>
-                            <m:t>1</m:t>
-                          </m:r>
-                        </m:sub>
-                      </m:sSub>
-                      <m:r>
-                        <m:rPr>
-                          <m:sty m:val="p"/>
-                        </m:rPr>
-                        <a:rPr lang="en-US" b="0" i="0" smtClean="0">
-                          <a:latin typeface="Cambria Math" panose="02040503050406030204" pitchFamily="18" charset="0"/>
-                          <a:ea typeface="Cambria Math" panose="02040503050406030204" pitchFamily="18" charset="0"/>
-                        </a:rPr>
-                        <m:t>FamGay</m:t>
-                      </m:r>
-                      <m:r>
-                        <a:rPr lang="en-US" b="0" i="0" smtClean="0">
-                          <a:latin typeface="Cambria Math" panose="02040503050406030204" pitchFamily="18" charset="0"/>
-                          <a:ea typeface="Cambria Math" panose="02040503050406030204" pitchFamily="18" charset="0"/>
-                        </a:rPr>
-                        <m:t>+</m:t>
-                      </m:r>
-                      <m:sSub>
-                        <m:sSubPr>
-                          <m:ctrlPr>
-                            <a:rPr lang="en-US" b="0" smtClean="0">
-                              <a:latin typeface="Cambria Math" panose="02040503050406030204" pitchFamily="18" charset="0"/>
-                              <a:ea typeface="Cambria Math" panose="02040503050406030204" pitchFamily="18" charset="0"/>
-                            </a:rPr>
-                          </m:ctrlPr>
-                        </m:sSubPr>
-                        <m:e>
-                          <m:r>
-                            <m:rPr>
-                              <m:sty m:val="p"/>
-                            </m:rPr>
-                            <a:rPr lang="en-US" b="0" i="0" smtClean="0">
-                              <a:latin typeface="Cambria Math" panose="02040503050406030204" pitchFamily="18" charset="0"/>
-                              <a:ea typeface="Cambria Math" panose="02040503050406030204" pitchFamily="18" charset="0"/>
-                            </a:rPr>
-                            <m:t>β</m:t>
-                          </m:r>
-                        </m:e>
-                        <m:sub>
-                          <m:r>
-                            <a:rPr lang="en-US" b="0" i="0" smtClean="0">
-                              <a:latin typeface="Cambria Math" panose="02040503050406030204" pitchFamily="18" charset="0"/>
-                              <a:ea typeface="Cambria Math" panose="02040503050406030204" pitchFamily="18" charset="0"/>
-                            </a:rPr>
-                            <m:t>1</m:t>
-                          </m:r>
-                        </m:sub>
-                      </m:sSub>
-                      <m:r>
-                        <m:rPr>
-                          <m:sty m:val="p"/>
-                        </m:rPr>
-                        <a:rPr lang="en-US" b="0" i="0" smtClean="0">
-                          <a:latin typeface="Cambria Math" panose="02040503050406030204" pitchFamily="18" charset="0"/>
-                          <a:ea typeface="Cambria Math" panose="02040503050406030204" pitchFamily="18" charset="0"/>
-                        </a:rPr>
-                        <m:t>FriendGay</m:t>
-                      </m:r>
-                      <m:r>
-                        <a:rPr lang="en-US" b="0" i="0" smtClean="0">
-                          <a:latin typeface="Cambria Math" panose="02040503050406030204" pitchFamily="18" charset="0"/>
-                          <a:ea typeface="Cambria Math" panose="02040503050406030204" pitchFamily="18" charset="0"/>
-                        </a:rPr>
-                        <m:t>+</m:t>
-                      </m:r>
-                      <m:sSub>
-                        <m:sSubPr>
-                          <m:ctrlPr>
-                            <a:rPr lang="en-US" b="0" smtClean="0">
-                              <a:latin typeface="Cambria Math" panose="02040503050406030204" pitchFamily="18" charset="0"/>
-                              <a:ea typeface="Cambria Math" panose="02040503050406030204" pitchFamily="18" charset="0"/>
-                            </a:rPr>
-                          </m:ctrlPr>
-                        </m:sSubPr>
-                        <m:e>
-                          <m:r>
-                            <m:rPr>
-                              <m:sty m:val="p"/>
-                            </m:rPr>
-                            <a:rPr lang="en-US" b="0" i="0" smtClean="0">
-                              <a:latin typeface="Cambria Math" panose="02040503050406030204" pitchFamily="18" charset="0"/>
-                              <a:ea typeface="Cambria Math" panose="02040503050406030204" pitchFamily="18" charset="0"/>
-                            </a:rPr>
-                            <m:t>β</m:t>
-                          </m:r>
-                        </m:e>
-                        <m:sub>
-                          <m:r>
-                            <a:rPr lang="en-US" b="0" i="0" smtClean="0">
-                              <a:latin typeface="Cambria Math" panose="02040503050406030204" pitchFamily="18" charset="0"/>
-                              <a:ea typeface="Cambria Math" panose="02040503050406030204" pitchFamily="18" charset="0"/>
-                            </a:rPr>
-                            <m:t>1</m:t>
-                          </m:r>
-                        </m:sub>
-                      </m:sSub>
-                      <m:r>
-                        <m:rPr>
-                          <m:sty m:val="p"/>
-                        </m:rPr>
-                        <a:rPr lang="en-US" b="0" i="0" smtClean="0">
-                          <a:latin typeface="Cambria Math" panose="02040503050406030204" pitchFamily="18" charset="0"/>
-                          <a:ea typeface="Cambria Math" panose="02040503050406030204" pitchFamily="18" charset="0"/>
-                        </a:rPr>
-                        <m:t>GayFriendly</m:t>
-                      </m:r>
-                      <m:r>
-                        <a:rPr lang="en-US" b="0" i="0" smtClean="0">
-                          <a:latin typeface="Cambria Math" panose="02040503050406030204" pitchFamily="18" charset="0"/>
-                          <a:ea typeface="Cambria Math" panose="02040503050406030204" pitchFamily="18" charset="0"/>
-                        </a:rPr>
-                        <m:t>+</m:t>
-                      </m:r>
-                      <m:sSub>
-                        <m:sSubPr>
-                          <m:ctrlPr>
-                            <a:rPr lang="en-US" b="0" smtClean="0">
-                              <a:latin typeface="Cambria Math" panose="02040503050406030204" pitchFamily="18" charset="0"/>
-                              <a:ea typeface="Cambria Math" panose="02040503050406030204" pitchFamily="18" charset="0"/>
-                            </a:rPr>
-                          </m:ctrlPr>
-                        </m:sSubPr>
-                        <m:e>
-                          <m:r>
-                            <m:rPr>
-                              <m:sty m:val="p"/>
-                            </m:rPr>
-                            <a:rPr lang="en-US" b="0" i="0" smtClean="0">
-                              <a:latin typeface="Cambria Math" panose="02040503050406030204" pitchFamily="18" charset="0"/>
-                              <a:ea typeface="Cambria Math" panose="02040503050406030204" pitchFamily="18" charset="0"/>
-                            </a:rPr>
-                            <m:t>β</m:t>
-                          </m:r>
-                        </m:e>
-                        <m:sub>
-                          <m:r>
-                            <a:rPr lang="en-US" b="0" i="0" smtClean="0">
-                              <a:latin typeface="Cambria Math" panose="02040503050406030204" pitchFamily="18" charset="0"/>
-                              <a:ea typeface="Cambria Math" panose="02040503050406030204" pitchFamily="18" charset="0"/>
-                            </a:rPr>
-                            <m:t>1</m:t>
-                          </m:r>
-                        </m:sub>
-                      </m:sSub>
-                      <m:r>
-                        <m:rPr>
-                          <m:sty m:val="p"/>
-                        </m:rPr>
-                        <a:rPr lang="en-US" b="0" i="0" smtClean="0">
-                          <a:latin typeface="Cambria Math" panose="02040503050406030204" pitchFamily="18" charset="0"/>
-                          <a:ea typeface="Cambria Math" panose="02040503050406030204" pitchFamily="18" charset="0"/>
-                        </a:rPr>
-                        <m:t>nonBinary</m:t>
-                      </m:r>
-                      <m:r>
-                        <a:rPr lang="en-US" b="0" i="0" smtClean="0">
-                          <a:latin typeface="Cambria Math" panose="02040503050406030204" pitchFamily="18" charset="0"/>
-                          <a:ea typeface="Cambria Math" panose="02040503050406030204" pitchFamily="18" charset="0"/>
-                        </a:rPr>
-                        <m:t>+</m:t>
-                      </m:r>
-                      <m:sSub>
-                        <m:sSubPr>
-                          <m:ctrlPr>
-                            <a:rPr lang="en-US" b="0" smtClean="0">
-                              <a:latin typeface="Cambria Math" panose="02040503050406030204" pitchFamily="18" charset="0"/>
-                              <a:ea typeface="Cambria Math" panose="02040503050406030204" pitchFamily="18" charset="0"/>
-                            </a:rPr>
-                          </m:ctrlPr>
-                        </m:sSubPr>
-                        <m:e>
-                          <m:r>
-                            <m:rPr>
-                              <m:sty m:val="p"/>
-                            </m:rPr>
-                            <a:rPr lang="en-US" b="0" i="0" smtClean="0">
-                              <a:latin typeface="Cambria Math" panose="02040503050406030204" pitchFamily="18" charset="0"/>
-                              <a:ea typeface="Cambria Math" panose="02040503050406030204" pitchFamily="18" charset="0"/>
-                            </a:rPr>
-                            <m:t>β</m:t>
-                          </m:r>
-                        </m:e>
-                        <m:sub>
-                          <m:r>
-                            <a:rPr lang="en-US" b="0" i="0" smtClean="0">
-                              <a:latin typeface="Cambria Math" panose="02040503050406030204" pitchFamily="18" charset="0"/>
-                              <a:ea typeface="Cambria Math" panose="02040503050406030204" pitchFamily="18" charset="0"/>
-                            </a:rPr>
-                            <m:t>1</m:t>
-                          </m:r>
-                        </m:sub>
-                      </m:sSub>
-                      <m:r>
-                        <m:rPr>
-                          <m:sty m:val="p"/>
-                        </m:rPr>
-                        <a:rPr lang="en-US" b="0" i="0" smtClean="0">
-                          <a:latin typeface="Cambria Math" panose="02040503050406030204" pitchFamily="18" charset="0"/>
-                          <a:ea typeface="Cambria Math" panose="02040503050406030204" pitchFamily="18" charset="0"/>
-                        </a:rPr>
-                        <m:t>Race</m:t>
-                      </m:r>
-                      <m:r>
-                        <a:rPr lang="en-US" b="0" i="0" smtClean="0">
-                          <a:latin typeface="Cambria Math" panose="02040503050406030204" pitchFamily="18" charset="0"/>
-                          <a:ea typeface="Cambria Math" panose="02040503050406030204" pitchFamily="18" charset="0"/>
-                        </a:rPr>
-                        <m:t>+</m:t>
-                      </m:r>
-                      <m:sSub>
-                        <m:sSubPr>
-                          <m:ctrlPr>
-                            <a:rPr lang="en-US" b="0" smtClean="0">
-                              <a:latin typeface="Cambria Math" panose="02040503050406030204" pitchFamily="18" charset="0"/>
-                              <a:ea typeface="Cambria Math" panose="02040503050406030204" pitchFamily="18" charset="0"/>
-                            </a:rPr>
-                          </m:ctrlPr>
-                        </m:sSubPr>
-                        <m:e>
-                          <m:r>
-                            <m:rPr>
-                              <m:sty m:val="p"/>
-                            </m:rPr>
-                            <a:rPr lang="en-US" b="0" i="0" smtClean="0">
-                              <a:latin typeface="Cambria Math" panose="02040503050406030204" pitchFamily="18" charset="0"/>
-                              <a:ea typeface="Cambria Math" panose="02040503050406030204" pitchFamily="18" charset="0"/>
-                            </a:rPr>
-                            <m:t>β</m:t>
-                          </m:r>
-                        </m:e>
-                        <m:sub>
-                          <m:r>
-                            <a:rPr lang="en-US" b="0" i="0" smtClean="0">
-                              <a:latin typeface="Cambria Math" panose="02040503050406030204" pitchFamily="18" charset="0"/>
-                              <a:ea typeface="Cambria Math" panose="02040503050406030204" pitchFamily="18" charset="0"/>
-                            </a:rPr>
-                            <m:t>1</m:t>
-                          </m:r>
-                        </m:sub>
-                      </m:sSub>
-                      <m:r>
-                        <m:rPr>
-                          <m:sty m:val="p"/>
-                        </m:rPr>
-                        <a:rPr lang="en-US" b="0" i="0" smtClean="0">
-                          <a:latin typeface="Cambria Math" panose="02040503050406030204" pitchFamily="18" charset="0"/>
-                          <a:ea typeface="Cambria Math" panose="02040503050406030204" pitchFamily="18" charset="0"/>
-                        </a:rPr>
-                        <m:t>order</m:t>
-                      </m:r>
-                      <m:r>
-                        <a:rPr lang="en-US" b="0" i="0" smtClean="0">
-                          <a:latin typeface="Cambria Math" panose="02040503050406030204" pitchFamily="18" charset="0"/>
-                          <a:ea typeface="Cambria Math" panose="02040503050406030204" pitchFamily="18" charset="0"/>
-                        </a:rPr>
-                        <m:t>+</m:t>
-                      </m:r>
-                      <m:r>
-                        <m:rPr>
-                          <m:sty m:val="p"/>
-                        </m:rPr>
-                        <a:rPr lang="en-US" b="0" i="0" smtClean="0">
-                          <a:latin typeface="Cambria Math" panose="02040503050406030204" pitchFamily="18" charset="0"/>
-                          <a:ea typeface="Cambria Math" panose="02040503050406030204" pitchFamily="18" charset="0"/>
-                        </a:rPr>
-                        <m:t>Errors</m:t>
-                      </m:r>
-                    </m:oMath>
-                  </m:oMathPara>
-                </a14:m>
-                <a:endParaRPr lang="en-US" b="0" dirty="0">
+                <a:endParaRPr lang="en-US" sz="3200" b="0" dirty="0">
                   <a:ea typeface="Cambria Math" panose="02040503050406030204" pitchFamily="18" charset="0"/>
                 </a:endParaRPr>
               </a:p>
@@ -4350,8 +4383,8 @@
             </p:nvSpPr>
             <p:spPr>
               <a:xfrm>
-                <a:off x="410547" y="6049347"/>
-                <a:ext cx="11781453" cy="553998"/>
+                <a:off x="6179975" y="1719943"/>
+                <a:ext cx="5380654" cy="4363887"/>
               </a:xfrm>
               <a:prstGeom prst="rect">
                 <a:avLst/>
@@ -4359,7 +4392,7 @@
               <a:blipFill>
                 <a:blip r:embed="rId3"/>
                 <a:stretch>
-                  <a:fillRect l="-673" t="-14286" b="-16484"/>
+                  <a:fillRect/>
                 </a:stretch>
               </a:blipFill>
             </p:spPr>
@@ -4493,6 +4526,107 @@
 </file>
 
 <file path=ppt/slides/slide12.xml><?xml version="1.0" encoding="utf-8"?>
+<p:sld xmlns:a="http://schemas.openxmlformats.org/drawingml/2006/main" xmlns:r="http://schemas.openxmlformats.org/officeDocument/2006/relationships" xmlns:p="http://schemas.openxmlformats.org/presentationml/2006/main">
+  <p:cSld>
+    <p:spTree>
+      <p:nvGrpSpPr>
+        <p:cNvPr id="1" name=""/>
+        <p:cNvGrpSpPr/>
+        <p:nvPr/>
+      </p:nvGrpSpPr>
+      <p:grpSpPr>
+        <a:xfrm>
+          <a:off x="0" y="0"/>
+          <a:ext cx="0" cy="0"/>
+          <a:chOff x="0" y="0"/>
+          <a:chExt cx="0" cy="0"/>
+        </a:xfrm>
+      </p:grpSpPr>
+      <p:pic>
+        <p:nvPicPr>
+          <p:cNvPr id="5" name="Content Placeholder 4" descr="Chart, bar chart, histogram&#10;&#10;Description automatically generated">
+            <a:extLst>
+              <a:ext uri="{FF2B5EF4-FFF2-40B4-BE49-F238E27FC236}">
+                <a16:creationId xmlns:a16="http://schemas.microsoft.com/office/drawing/2014/main" id="{267E60DD-4DBF-0459-9790-DAC165528C55}"/>
+              </a:ext>
+            </a:extLst>
+          </p:cNvPr>
+          <p:cNvPicPr>
+            <a:picLocks noGrp="1" noChangeAspect="1"/>
+          </p:cNvPicPr>
+          <p:nvPr>
+            <p:ph idx="1"/>
+          </p:nvPr>
+        </p:nvPicPr>
+        <p:blipFill>
+          <a:blip r:embed="rId2">
+            <a:extLst>
+              <a:ext uri="{28A0092B-C50C-407E-A947-70E740481C1C}">
+                <a14:useLocalDpi xmlns:a14="http://schemas.microsoft.com/office/drawing/2010/main" val="0"/>
+              </a:ext>
+            </a:extLst>
+          </a:blip>
+          <a:stretch>
+            <a:fillRect/>
+          </a:stretch>
+        </p:blipFill>
+        <p:spPr>
+          <a:xfrm>
+            <a:off x="74645" y="-1"/>
+            <a:ext cx="10218501" cy="6634065"/>
+          </a:xfrm>
+        </p:spPr>
+      </p:pic>
+      <p:sp>
+        <p:nvSpPr>
+          <p:cNvPr id="2" name="Title 1">
+            <a:extLst>
+              <a:ext uri="{FF2B5EF4-FFF2-40B4-BE49-F238E27FC236}">
+                <a16:creationId xmlns:a16="http://schemas.microsoft.com/office/drawing/2014/main" id="{AF4D9CAE-90AB-91D4-6942-D808D5CD37DF}"/>
+              </a:ext>
+            </a:extLst>
+          </p:cNvPr>
+          <p:cNvSpPr>
+            <a:spLocks noGrp="1"/>
+          </p:cNvSpPr>
+          <p:nvPr>
+            <p:ph type="title"/>
+          </p:nvPr>
+        </p:nvSpPr>
+        <p:spPr>
+          <a:xfrm>
+            <a:off x="8554616" y="2034073"/>
+            <a:ext cx="3637384" cy="578497"/>
+          </a:xfrm>
+        </p:spPr>
+        <p:txBody>
+          <a:bodyPr>
+            <a:normAutofit fontScale="90000"/>
+          </a:bodyPr>
+          <a:lstStyle/>
+          <a:p>
+            <a:pPr algn="ctr"/>
+            <a:r>
+              <a:rPr lang="en-US" dirty="0"/>
+              <a:t>COEFFICIENTS’ SIZE</a:t>
+            </a:r>
+          </a:p>
+        </p:txBody>
+      </p:sp>
+    </p:spTree>
+    <p:extLst>
+      <p:ext uri="{BB962C8B-B14F-4D97-AF65-F5344CB8AC3E}">
+        <p14:creationId xmlns:p14="http://schemas.microsoft.com/office/powerpoint/2010/main" val="1119860972"/>
+      </p:ext>
+    </p:extLst>
+  </p:cSld>
+  <p:clrMapOvr>
+    <a:masterClrMapping/>
+  </p:clrMapOvr>
+</p:sld>
+</file>
+
+<file path=ppt/slides/slide13.xml><?xml version="1.0" encoding="utf-8"?>
 <p:sld xmlns:a="http://schemas.openxmlformats.org/drawingml/2006/main" xmlns:r="http://schemas.openxmlformats.org/officeDocument/2006/relationships" xmlns:p="http://schemas.openxmlformats.org/presentationml/2006/main">
   <p:cSld>
     <p:spTree>
@@ -5106,107 +5240,6 @@
 </p:sld>
 </file>
 
-<file path=ppt/slides/slide13.xml><?xml version="1.0" encoding="utf-8"?>
-<p:sld xmlns:a="http://schemas.openxmlformats.org/drawingml/2006/main" xmlns:r="http://schemas.openxmlformats.org/officeDocument/2006/relationships" xmlns:p="http://schemas.openxmlformats.org/presentationml/2006/main">
-  <p:cSld>
-    <p:spTree>
-      <p:nvGrpSpPr>
-        <p:cNvPr id="1" name=""/>
-        <p:cNvGrpSpPr/>
-        <p:nvPr/>
-      </p:nvGrpSpPr>
-      <p:grpSpPr>
-        <a:xfrm>
-          <a:off x="0" y="0"/>
-          <a:ext cx="0" cy="0"/>
-          <a:chOff x="0" y="0"/>
-          <a:chExt cx="0" cy="0"/>
-        </a:xfrm>
-      </p:grpSpPr>
-      <p:sp>
-        <p:nvSpPr>
-          <p:cNvPr id="2" name="Title 1">
-            <a:extLst>
-              <a:ext uri="{FF2B5EF4-FFF2-40B4-BE49-F238E27FC236}">
-                <a16:creationId xmlns:a16="http://schemas.microsoft.com/office/drawing/2014/main" id="{AF4D9CAE-90AB-91D4-6942-D808D5CD37DF}"/>
-              </a:ext>
-            </a:extLst>
-          </p:cNvPr>
-          <p:cNvSpPr>
-            <a:spLocks noGrp="1"/>
-          </p:cNvSpPr>
-          <p:nvPr>
-            <p:ph type="title"/>
-          </p:nvPr>
-        </p:nvSpPr>
-        <p:spPr>
-          <a:xfrm>
-            <a:off x="838200" y="365125"/>
-            <a:ext cx="10515600" cy="614589"/>
-          </a:xfrm>
-        </p:spPr>
-        <p:txBody>
-          <a:bodyPr>
-            <a:normAutofit fontScale="90000"/>
-          </a:bodyPr>
-          <a:lstStyle/>
-          <a:p>
-            <a:pPr algn="ctr"/>
-            <a:r>
-              <a:rPr lang="en-US" dirty="0"/>
-              <a:t>COEFFICIENTS’ SIZE</a:t>
-            </a:r>
-          </a:p>
-        </p:txBody>
-      </p:sp>
-      <p:pic>
-        <p:nvPicPr>
-          <p:cNvPr id="5" name="Content Placeholder 4" descr="Chart, bar chart, histogram&#10;&#10;Description automatically generated">
-            <a:extLst>
-              <a:ext uri="{FF2B5EF4-FFF2-40B4-BE49-F238E27FC236}">
-                <a16:creationId xmlns:a16="http://schemas.microsoft.com/office/drawing/2014/main" id="{267E60DD-4DBF-0459-9790-DAC165528C55}"/>
-              </a:ext>
-            </a:extLst>
-          </p:cNvPr>
-          <p:cNvPicPr>
-            <a:picLocks noGrp="1" noChangeAspect="1"/>
-          </p:cNvPicPr>
-          <p:nvPr>
-            <p:ph idx="1"/>
-          </p:nvPr>
-        </p:nvPicPr>
-        <p:blipFill>
-          <a:blip r:embed="rId2">
-            <a:extLst>
-              <a:ext uri="{28A0092B-C50C-407E-A947-70E740481C1C}">
-                <a14:useLocalDpi xmlns:a14="http://schemas.microsoft.com/office/drawing/2010/main" val="0"/>
-              </a:ext>
-            </a:extLst>
-          </a:blip>
-          <a:stretch>
-            <a:fillRect/>
-          </a:stretch>
-        </p:blipFill>
-        <p:spPr>
-          <a:xfrm>
-            <a:off x="1958160" y="1054359"/>
-            <a:ext cx="8622753" cy="5598072"/>
-          </a:xfrm>
-        </p:spPr>
-      </p:pic>
-    </p:spTree>
-    <p:extLst>
-      <p:ext uri="{BB962C8B-B14F-4D97-AF65-F5344CB8AC3E}">
-        <p14:creationId xmlns:p14="http://schemas.microsoft.com/office/powerpoint/2010/main" val="1119860972"/>
-      </p:ext>
-    </p:extLst>
-  </p:cSld>
-  <p:clrMapOvr>
-    <a:masterClrMapping/>
-  </p:clrMapOvr>
-</p:sld>
-</file>
-
 <file path=ppt/slides/slide14.xml><?xml version="1.0" encoding="utf-8"?>
 <p:sld xmlns:a="http://schemas.openxmlformats.org/drawingml/2006/main" xmlns:r="http://schemas.openxmlformats.org/officeDocument/2006/relationships" xmlns:p="http://schemas.openxmlformats.org/presentationml/2006/main">
   <p:cSld>
@@ -5918,7 +5951,7 @@
         </p:blipFill>
         <p:spPr>
           <a:xfrm>
-            <a:off x="-113332" y="1342248"/>
+            <a:off x="0" y="1479482"/>
             <a:ext cx="7902648" cy="5340800"/>
           </a:xfrm>
           <a:prstGeom prst="rect">
@@ -6037,13 +6070,13 @@
           <p:nvPr>
             <p:extLst>
               <p:ext uri="{D42A27DB-BD31-4B8C-83A1-F6EECF244321}">
-                <p14:modId xmlns:p14="http://schemas.microsoft.com/office/powerpoint/2010/main" val="223293727"/>
+                <p14:modId xmlns:p14="http://schemas.microsoft.com/office/powerpoint/2010/main" val="1236055403"/>
               </p:ext>
             </p:extLst>
           </p:nvPr>
         </p:nvGraphicFramePr>
         <p:xfrm>
-          <a:off x="7987003" y="1387290"/>
+          <a:off x="7987001" y="1549079"/>
           <a:ext cx="4032897" cy="2041710"/>
         </p:xfrm>
         <a:graphic>
@@ -6300,7 +6333,7 @@
         </p:nvSpPr>
         <p:spPr>
           <a:xfrm>
-            <a:off x="8333271" y="3689482"/>
+            <a:off x="8333269" y="3826716"/>
             <a:ext cx="3340359" cy="646331"/>
           </a:xfrm>
           <a:prstGeom prst="rect">
@@ -6460,6 +6493,491 @@
 </file>
 
 <file path=ppt/slides/slide7.xml><?xml version="1.0" encoding="utf-8"?>
+<p:sld xmlns:a="http://schemas.openxmlformats.org/drawingml/2006/main" xmlns:r="http://schemas.openxmlformats.org/officeDocument/2006/relationships" xmlns:p="http://schemas.openxmlformats.org/presentationml/2006/main">
+  <p:cSld>
+    <p:spTree>
+      <p:nvGrpSpPr>
+        <p:cNvPr id="1" name=""/>
+        <p:cNvGrpSpPr/>
+        <p:nvPr/>
+      </p:nvGrpSpPr>
+      <p:grpSpPr>
+        <a:xfrm>
+          <a:off x="0" y="0"/>
+          <a:ext cx="0" cy="0"/>
+          <a:chOff x="0" y="0"/>
+          <a:chExt cx="0" cy="0"/>
+        </a:xfrm>
+      </p:grpSpPr>
+      <p:sp>
+        <p:nvSpPr>
+          <p:cNvPr id="2" name="Title 1">
+            <a:extLst>
+              <a:ext uri="{FF2B5EF4-FFF2-40B4-BE49-F238E27FC236}">
+                <a16:creationId xmlns:a16="http://schemas.microsoft.com/office/drawing/2014/main" id="{BE1C2BC7-79E8-B02E-516A-AA96973B50AE}"/>
+              </a:ext>
+            </a:extLst>
+          </p:cNvPr>
+          <p:cNvSpPr>
+            <a:spLocks noGrp="1"/>
+          </p:cNvSpPr>
+          <p:nvPr>
+            <p:ph type="title"/>
+          </p:nvPr>
+        </p:nvSpPr>
+        <p:spPr>
+          <a:xfrm>
+            <a:off x="1378596" y="392182"/>
+            <a:ext cx="9434803" cy="222705"/>
+          </a:xfrm>
+        </p:spPr>
+        <p:txBody>
+          <a:bodyPr>
+            <a:normAutofit fontScale="90000"/>
+          </a:bodyPr>
+          <a:lstStyle/>
+          <a:p>
+            <a:pPr algn="ctr"/>
+            <a:r>
+              <a:rPr lang="en-US" dirty="0"/>
+              <a:t>INDEPENDENT VARIABLES</a:t>
+            </a:r>
+          </a:p>
+        </p:txBody>
+      </p:sp>
+      <p:sp>
+        <p:nvSpPr>
+          <p:cNvPr id="7" name="TextBox 6">
+            <a:extLst>
+              <a:ext uri="{FF2B5EF4-FFF2-40B4-BE49-F238E27FC236}">
+                <a16:creationId xmlns:a16="http://schemas.microsoft.com/office/drawing/2014/main" id="{ED9D56B1-3F52-4688-811D-5AEA0154636D}"/>
+              </a:ext>
+            </a:extLst>
+          </p:cNvPr>
+          <p:cNvSpPr txBox="1"/>
+          <p:nvPr/>
+        </p:nvSpPr>
+        <p:spPr>
+          <a:xfrm>
+            <a:off x="642256" y="956618"/>
+            <a:ext cx="10907485" cy="5509200"/>
+          </a:xfrm>
+          <a:prstGeom prst="rect">
+            <a:avLst/>
+          </a:prstGeom>
+          <a:noFill/>
+        </p:spPr>
+        <p:txBody>
+          <a:bodyPr wrap="square" rtlCol="0">
+            <a:spAutoFit/>
+          </a:bodyPr>
+          <a:lstStyle/>
+          <a:p>
+            <a:r>
+              <a:rPr lang="en-US" sz="1600" b="1" u="sng" dirty="0"/>
+              <a:t>THE TEST REQUIRES TO FILL A SHORT QUESTIONNAIRE </a:t>
+            </a:r>
+          </a:p>
+          <a:p>
+            <a:pPr marL="342900" indent="-342900">
+              <a:buFont typeface="+mj-lt"/>
+              <a:buAutoNum type="arabicPeriod"/>
+            </a:pPr>
+            <a:r>
+              <a:rPr lang="en-US" sz="1600" b="1" dirty="0"/>
+              <a:t>Socio demographics: Age, sex (assigned at birth), race, education level</a:t>
+            </a:r>
+          </a:p>
+          <a:p>
+            <a:pPr marL="342900" indent="-342900">
+              <a:buFont typeface="+mj-lt"/>
+              <a:buAutoNum type="arabicPeriod"/>
+            </a:pPr>
+            <a:r>
+              <a:rPr lang="en-US" sz="1600" b="1" dirty="0"/>
+              <a:t>Political</a:t>
+            </a:r>
+            <a:r>
+              <a:rPr lang="en-US" sz="1600" dirty="0"/>
+              <a:t> view (liberal vs conservative) (1-7)</a:t>
+            </a:r>
+          </a:p>
+          <a:p>
+            <a:pPr marL="342900" indent="-342900">
+              <a:buFont typeface="+mj-lt"/>
+              <a:buAutoNum type="arabicPeriod"/>
+            </a:pPr>
+            <a:r>
+              <a:rPr lang="en-US" sz="1600" b="1" dirty="0"/>
+              <a:t>Religiosity</a:t>
+            </a:r>
+            <a:r>
+              <a:rPr lang="en-US" sz="1600" dirty="0"/>
+              <a:t> (1-4)</a:t>
+            </a:r>
+          </a:p>
+          <a:p>
+            <a:pPr marL="342900" indent="-342900">
+              <a:buFont typeface="+mj-lt"/>
+              <a:buAutoNum type="arabicPeriod"/>
+            </a:pPr>
+            <a:r>
+              <a:rPr lang="en-US" sz="1600" b="1" dirty="0"/>
+              <a:t>Gender identity</a:t>
+            </a:r>
+            <a:r>
+              <a:rPr lang="en-US" sz="1600" dirty="0"/>
+              <a:t> (1 "Male" 2 "Female" 3 "Trans male/Trans man" 4 "Trans female/Trans woman" 5 "Genderqueer/Gender nonconforming" 6 "A different identity“)</a:t>
+            </a:r>
+          </a:p>
+          <a:p>
+            <a:pPr marL="342900" indent="-342900">
+              <a:buFont typeface="+mj-lt"/>
+              <a:buAutoNum type="arabicPeriod"/>
+            </a:pPr>
+            <a:r>
+              <a:rPr lang="en-US" sz="1600" b="1" dirty="0"/>
+              <a:t>Sexuality</a:t>
+            </a:r>
+            <a:r>
+              <a:rPr lang="en-US" sz="1600" dirty="0"/>
+              <a:t> -  5-point scale (after 7/11/2016) (1 "Heterosexual" 2 "Homosexual" 3 "Bisexual" 4 "Queer" 5 "Other“)</a:t>
+            </a:r>
+          </a:p>
+          <a:p>
+            <a:pPr marL="342900" indent="-342900">
+              <a:buFont typeface="+mj-lt"/>
+              <a:buAutoNum type="arabicPeriod"/>
+            </a:pPr>
+            <a:r>
+              <a:rPr lang="en-US" sz="1600" b="1" dirty="0"/>
+              <a:t>Preference</a:t>
+            </a:r>
+            <a:r>
+              <a:rPr lang="en-US" sz="1600" dirty="0"/>
+              <a:t> for: 1 "I strongly prefer Gay People to Straight People."  - 7 "I strongly prefer Straight People to Gay People."</a:t>
+            </a:r>
+          </a:p>
+          <a:p>
+            <a:pPr marL="342900" indent="-342900">
+              <a:buFont typeface="+mj-lt"/>
+              <a:buAutoNum type="arabicPeriod"/>
+            </a:pPr>
+            <a:r>
+              <a:rPr lang="en-US" sz="1600" u="none" strike="noStrike" dirty="0">
+                <a:effectLst/>
+              </a:rPr>
+              <a:t>Do you have a </a:t>
+            </a:r>
+            <a:r>
+              <a:rPr lang="en-US" sz="1600" b="1" u="none" strike="noStrike" dirty="0">
+                <a:effectLst/>
+              </a:rPr>
+              <a:t>family</a:t>
+            </a:r>
+            <a:r>
+              <a:rPr lang="en-US" sz="1600" u="none" strike="noStrike" dirty="0">
+                <a:effectLst/>
+              </a:rPr>
+              <a:t> member who is gay?</a:t>
+            </a:r>
+            <a:endParaRPr lang="en-US" sz="1600" b="0" i="0" u="none" strike="noStrike" dirty="0">
+              <a:solidFill>
+                <a:srgbClr val="000000"/>
+              </a:solidFill>
+              <a:effectLst/>
+              <a:latin typeface="Calibri" panose="020F0502020204030204" pitchFamily="34" charset="0"/>
+            </a:endParaRPr>
+          </a:p>
+          <a:p>
+            <a:pPr marL="342900" indent="-342900">
+              <a:buFont typeface="+mj-lt"/>
+              <a:buAutoNum type="arabicPeriod"/>
+            </a:pPr>
+            <a:r>
+              <a:rPr lang="en-US" sz="1600" u="none" strike="noStrike" dirty="0">
+                <a:effectLst/>
+              </a:rPr>
+              <a:t>Do you have a </a:t>
+            </a:r>
+            <a:r>
+              <a:rPr lang="en-US" sz="1600" b="1" u="none" strike="noStrike" dirty="0">
+                <a:effectLst/>
+              </a:rPr>
+              <a:t>friend</a:t>
+            </a:r>
+            <a:r>
+              <a:rPr lang="en-US" sz="1600" u="none" strike="noStrike" dirty="0">
+                <a:effectLst/>
+              </a:rPr>
+              <a:t> who is gay?</a:t>
+            </a:r>
+            <a:endParaRPr lang="en-US" sz="1600" b="0" i="0" u="none" strike="noStrike" dirty="0">
+              <a:solidFill>
+                <a:srgbClr val="000000"/>
+              </a:solidFill>
+              <a:effectLst/>
+              <a:latin typeface="Calibri" panose="020F0502020204030204" pitchFamily="34" charset="0"/>
+            </a:endParaRPr>
+          </a:p>
+          <a:p>
+            <a:pPr marL="342900" indent="-342900">
+              <a:buFont typeface="+mj-lt"/>
+              <a:buAutoNum type="arabicPeriod"/>
+            </a:pPr>
+            <a:r>
+              <a:rPr lang="en-US" sz="1600" u="none" strike="noStrike" dirty="0">
+                <a:effectLst/>
+              </a:rPr>
+              <a:t>Do you have </a:t>
+            </a:r>
+            <a:r>
+              <a:rPr lang="en-US" sz="1600" b="1" u="none" strike="noStrike" dirty="0">
+                <a:effectLst/>
+              </a:rPr>
+              <a:t>friendly</a:t>
+            </a:r>
+            <a:r>
+              <a:rPr lang="en-US" sz="1600" u="none" strike="noStrike" dirty="0">
+                <a:effectLst/>
+              </a:rPr>
+              <a:t> interactions with gay people on a regular basis?</a:t>
+            </a:r>
+          </a:p>
+          <a:p>
+            <a:pPr marL="342900" indent="-342900">
+              <a:buFont typeface="+mj-lt"/>
+              <a:buAutoNum type="arabicPeriod"/>
+            </a:pPr>
+            <a:r>
+              <a:rPr lang="en-US" sz="1600" u="none" strike="noStrike" dirty="0">
+                <a:effectLst/>
+              </a:rPr>
+              <a:t>Have you ever </a:t>
+            </a:r>
+            <a:r>
+              <a:rPr lang="en-US" sz="1600" b="1" u="none" strike="noStrike" dirty="0">
+                <a:effectLst/>
+              </a:rPr>
+              <a:t>met</a:t>
+            </a:r>
+            <a:r>
+              <a:rPr lang="en-US" sz="1600" u="none" strike="noStrike" dirty="0">
+                <a:effectLst/>
+              </a:rPr>
+              <a:t> a gay person?</a:t>
+            </a:r>
+            <a:endParaRPr lang="en-US" sz="1600" b="0" i="0" u="none" strike="noStrike" dirty="0">
+              <a:solidFill>
+                <a:srgbClr val="000000"/>
+              </a:solidFill>
+              <a:effectLst/>
+              <a:latin typeface="Calibri" panose="020F0502020204030204" pitchFamily="34" charset="0"/>
+            </a:endParaRPr>
+          </a:p>
+          <a:p>
+            <a:pPr marL="342900" indent="-342900">
+              <a:buFont typeface="+mj-lt"/>
+              <a:buAutoNum type="arabicPeriod"/>
+            </a:pPr>
+            <a:r>
+              <a:rPr lang="en-US" sz="1600" u="none" strike="noStrike" dirty="0">
+                <a:effectLst/>
+              </a:rPr>
+              <a:t>9. Please rate how </a:t>
+            </a:r>
+            <a:r>
+              <a:rPr lang="en-US" sz="1600" b="1" u="none" strike="noStrike" dirty="0">
+                <a:effectLst/>
+              </a:rPr>
+              <a:t>warm</a:t>
+            </a:r>
+            <a:r>
+              <a:rPr lang="en-US" sz="1600" u="none" strike="noStrike" dirty="0">
+                <a:effectLst/>
+              </a:rPr>
+              <a:t> or cold you feel toward the following groups: Extremely cold" 1 "Very cold" - 10 "Extremely warm" </a:t>
+            </a:r>
+          </a:p>
+          <a:p>
+            <a:pPr marL="342900" indent="-342900">
+              <a:buFont typeface="+mj-lt"/>
+              <a:buAutoNum type="arabicPeriod"/>
+            </a:pPr>
+            <a:r>
+              <a:rPr lang="en-US" sz="1600" dirty="0"/>
+              <a:t>Gay men, Lesbian Women, Straight Men, Straight Women. </a:t>
+            </a:r>
+          </a:p>
+          <a:p>
+            <a:pPr marL="342900" indent="-342900">
+              <a:buFont typeface="+mj-lt"/>
+              <a:buAutoNum type="arabicPeriod"/>
+            </a:pPr>
+            <a:r>
+              <a:rPr lang="en-US" sz="1600" dirty="0">
+                <a:solidFill>
+                  <a:schemeClr val="accent1"/>
+                </a:solidFill>
+              </a:rPr>
+              <a:t>10. </a:t>
+            </a:r>
+            <a:r>
+              <a:rPr lang="en-US" sz="1600" b="1" dirty="0">
+                <a:solidFill>
+                  <a:schemeClr val="accent1"/>
+                </a:solidFill>
+              </a:rPr>
+              <a:t>Opinion</a:t>
+            </a:r>
+            <a:r>
+              <a:rPr lang="en-US" sz="1600" dirty="0">
+                <a:solidFill>
+                  <a:schemeClr val="accent1"/>
+                </a:solidFill>
+              </a:rPr>
+              <a:t>. Do you think it should be legal for same-sex partners to adopt a child?</a:t>
+            </a:r>
+          </a:p>
+          <a:p>
+            <a:pPr marL="342900" indent="-342900">
+              <a:buFont typeface="+mj-lt"/>
+              <a:buAutoNum type="arabicPeriod"/>
+            </a:pPr>
+            <a:r>
+              <a:rPr lang="en-US" sz="1600" dirty="0">
+                <a:solidFill>
+                  <a:schemeClr val="accent1"/>
+                </a:solidFill>
+              </a:rPr>
+              <a:t>11. </a:t>
+            </a:r>
+            <a:r>
+              <a:rPr lang="en-US" sz="1600" b="1" dirty="0">
+                <a:solidFill>
+                  <a:schemeClr val="accent1"/>
+                </a:solidFill>
+              </a:rPr>
+              <a:t>Opinion</a:t>
+            </a:r>
+            <a:r>
+              <a:rPr lang="en-US" sz="1600" dirty="0">
+                <a:solidFill>
+                  <a:schemeClr val="accent1"/>
+                </a:solidFill>
+              </a:rPr>
+              <a:t>. Do you think it should be legal for business owners to refuse to serve same-sex partners?</a:t>
+            </a:r>
+          </a:p>
+          <a:p>
+            <a:pPr marL="342900" indent="-342900">
+              <a:buFont typeface="+mj-lt"/>
+              <a:buAutoNum type="arabicPeriod"/>
+            </a:pPr>
+            <a:r>
+              <a:rPr lang="en-US" sz="1600" dirty="0">
+                <a:solidFill>
+                  <a:schemeClr val="accent1"/>
+                </a:solidFill>
+              </a:rPr>
+              <a:t>12. </a:t>
+            </a:r>
+            <a:r>
+              <a:rPr lang="en-US" sz="1600" b="1" dirty="0">
+                <a:solidFill>
+                  <a:schemeClr val="accent1"/>
+                </a:solidFill>
+              </a:rPr>
+              <a:t>Opinion</a:t>
+            </a:r>
+            <a:r>
+              <a:rPr lang="en-US" sz="1600" dirty="0">
+                <a:solidFill>
+                  <a:schemeClr val="accent1"/>
+                </a:solidFill>
+              </a:rPr>
+              <a:t>. Which of the following statements best reflects your belief? 1 "Transgender people should use the bathroom/locker rooms of the sex they were assigned at birth" 2 "Transgender people should use the bathrooms/locker rooms of their preferred gender identity“</a:t>
+            </a:r>
+          </a:p>
+          <a:p>
+            <a:pPr marL="342900" indent="-342900">
+              <a:buFont typeface="+mj-lt"/>
+              <a:buAutoNum type="arabicPeriod"/>
+            </a:pPr>
+            <a:r>
+              <a:rPr lang="en-US" sz="1600" dirty="0">
+                <a:solidFill>
+                  <a:schemeClr val="accent1"/>
+                </a:solidFill>
+              </a:rPr>
+              <a:t>13. </a:t>
+            </a:r>
+            <a:r>
+              <a:rPr lang="en-US" sz="1600" b="1" dirty="0">
+                <a:solidFill>
+                  <a:schemeClr val="accent1"/>
+                </a:solidFill>
+              </a:rPr>
+              <a:t>Opinion</a:t>
+            </a:r>
+            <a:r>
+              <a:rPr lang="en-US" sz="1600" dirty="0">
+                <a:solidFill>
+                  <a:schemeClr val="accent1"/>
+                </a:solidFill>
+              </a:rPr>
+              <a:t>. Marriage between same sex people "Should be valid" 2 "Should not be valid" 3 "No opinion“</a:t>
+            </a:r>
+          </a:p>
+          <a:p>
+            <a:pPr marL="342900" indent="-342900">
+              <a:buFont typeface="+mj-lt"/>
+              <a:buAutoNum type="arabicPeriod"/>
+            </a:pPr>
+            <a:r>
+              <a:rPr lang="en-US" sz="1600" dirty="0">
+                <a:solidFill>
+                  <a:schemeClr val="accent1"/>
+                </a:solidFill>
+              </a:rPr>
+              <a:t>14. </a:t>
+            </a:r>
+            <a:r>
+              <a:rPr lang="en-US" sz="1600" b="1" dirty="0">
+                <a:solidFill>
+                  <a:schemeClr val="accent1"/>
+                </a:solidFill>
+              </a:rPr>
+              <a:t>Opinion</a:t>
+            </a:r>
+            <a:r>
+              <a:rPr lang="en-US" sz="1600" dirty="0">
+                <a:solidFill>
+                  <a:schemeClr val="accent1"/>
+                </a:solidFill>
+              </a:rPr>
+              <a:t>. Relationships between same sex people "Should be valid" 2 "Should not be valid" 3 "No opinion“</a:t>
+            </a:r>
+          </a:p>
+          <a:p>
+            <a:endParaRPr lang="en-US" sz="1600" dirty="0"/>
+          </a:p>
+        </p:txBody>
+      </p:sp>
+    </p:spTree>
+    <p:extLst>
+      <p:ext uri="{BB962C8B-B14F-4D97-AF65-F5344CB8AC3E}">
+        <p14:creationId xmlns:p14="http://schemas.microsoft.com/office/powerpoint/2010/main" val="2832777135"/>
+      </p:ext>
+    </p:extLst>
+  </p:cSld>
+  <p:clrMapOvr>
+    <a:masterClrMapping/>
+  </p:clrMapOvr>
+</p:sld>
+</file>
+
+<file path=ppt/slides/slide8.xml><?xml version="1.0" encoding="utf-8"?>
 <p:sld xmlns:a="http://schemas.openxmlformats.org/drawingml/2006/main" xmlns:r="http://schemas.openxmlformats.org/officeDocument/2006/relationships" xmlns:p="http://schemas.openxmlformats.org/presentationml/2006/main">
   <p:cSld>
     <p:spTree>
@@ -7133,467 +7651,6 @@
 </p:sld>
 </file>
 
-<file path=ppt/slides/slide8.xml><?xml version="1.0" encoding="utf-8"?>
-<p:sld xmlns:a="http://schemas.openxmlformats.org/drawingml/2006/main" xmlns:r="http://schemas.openxmlformats.org/officeDocument/2006/relationships" xmlns:p="http://schemas.openxmlformats.org/presentationml/2006/main">
-  <p:cSld>
-    <p:spTree>
-      <p:nvGrpSpPr>
-        <p:cNvPr id="1" name=""/>
-        <p:cNvGrpSpPr/>
-        <p:nvPr/>
-      </p:nvGrpSpPr>
-      <p:grpSpPr>
-        <a:xfrm>
-          <a:off x="0" y="0"/>
-          <a:ext cx="0" cy="0"/>
-          <a:chOff x="0" y="0"/>
-          <a:chExt cx="0" cy="0"/>
-        </a:xfrm>
-      </p:grpSpPr>
-      <p:sp>
-        <p:nvSpPr>
-          <p:cNvPr id="2" name="Title 1">
-            <a:extLst>
-              <a:ext uri="{FF2B5EF4-FFF2-40B4-BE49-F238E27FC236}">
-                <a16:creationId xmlns:a16="http://schemas.microsoft.com/office/drawing/2014/main" id="{BE1C2BC7-79E8-B02E-516A-AA96973B50AE}"/>
-              </a:ext>
-            </a:extLst>
-          </p:cNvPr>
-          <p:cNvSpPr>
-            <a:spLocks noGrp="1"/>
-          </p:cNvSpPr>
-          <p:nvPr>
-            <p:ph type="title"/>
-          </p:nvPr>
-        </p:nvSpPr>
-        <p:spPr>
-          <a:xfrm>
-            <a:off x="1378598" y="206504"/>
-            <a:ext cx="9434803" cy="222705"/>
-          </a:xfrm>
-        </p:spPr>
-        <p:txBody>
-          <a:bodyPr>
-            <a:normAutofit fontScale="90000"/>
-          </a:bodyPr>
-          <a:lstStyle/>
-          <a:p>
-            <a:pPr algn="ctr"/>
-            <a:r>
-              <a:rPr lang="en-US" dirty="0"/>
-              <a:t>INDEPENDENT VARIABLES</a:t>
-            </a:r>
-          </a:p>
-        </p:txBody>
-      </p:sp>
-      <p:sp>
-        <p:nvSpPr>
-          <p:cNvPr id="7" name="TextBox 6">
-            <a:extLst>
-              <a:ext uri="{FF2B5EF4-FFF2-40B4-BE49-F238E27FC236}">
-                <a16:creationId xmlns:a16="http://schemas.microsoft.com/office/drawing/2014/main" id="{ED9D56B1-3F52-4688-811D-5AEA0154636D}"/>
-              </a:ext>
-            </a:extLst>
-          </p:cNvPr>
-          <p:cNvSpPr txBox="1"/>
-          <p:nvPr/>
-        </p:nvSpPr>
-        <p:spPr>
-          <a:xfrm>
-            <a:off x="642256" y="751344"/>
-            <a:ext cx="10907485" cy="5509200"/>
-          </a:xfrm>
-          <a:prstGeom prst="rect">
-            <a:avLst/>
-          </a:prstGeom>
-          <a:noFill/>
-        </p:spPr>
-        <p:txBody>
-          <a:bodyPr wrap="square" rtlCol="0">
-            <a:spAutoFit/>
-          </a:bodyPr>
-          <a:lstStyle/>
-          <a:p>
-            <a:r>
-              <a:rPr lang="en-US" sz="1600" b="1" u="sng" dirty="0"/>
-              <a:t>THE TEST REQUIRES TO FILL A SHORT QUESTIONNAIRE </a:t>
-            </a:r>
-          </a:p>
-          <a:p>
-            <a:pPr marL="342900" indent="-342900">
-              <a:buFont typeface="+mj-lt"/>
-              <a:buAutoNum type="arabicPeriod"/>
-            </a:pPr>
-            <a:r>
-              <a:rPr lang="en-US" sz="1600" b="1" dirty="0"/>
-              <a:t>Socio demographics: Age, sex (assigned at birth), race, education level</a:t>
-            </a:r>
-          </a:p>
-          <a:p>
-            <a:pPr marL="342900" indent="-342900">
-              <a:buFont typeface="+mj-lt"/>
-              <a:buAutoNum type="arabicPeriod"/>
-            </a:pPr>
-            <a:r>
-              <a:rPr lang="en-US" sz="1600" b="1" dirty="0"/>
-              <a:t>Political</a:t>
-            </a:r>
-            <a:r>
-              <a:rPr lang="en-US" sz="1600" dirty="0"/>
-              <a:t> view (liberal vs conservative) (1-7)</a:t>
-            </a:r>
-          </a:p>
-          <a:p>
-            <a:pPr marL="342900" indent="-342900">
-              <a:buFont typeface="+mj-lt"/>
-              <a:buAutoNum type="arabicPeriod"/>
-            </a:pPr>
-            <a:r>
-              <a:rPr lang="en-US" sz="1600" b="1" dirty="0"/>
-              <a:t>Religiosity</a:t>
-            </a:r>
-            <a:r>
-              <a:rPr lang="en-US" sz="1600" dirty="0"/>
-              <a:t> (1-4)</a:t>
-            </a:r>
-          </a:p>
-          <a:p>
-            <a:pPr marL="342900" indent="-342900">
-              <a:buFont typeface="+mj-lt"/>
-              <a:buAutoNum type="arabicPeriod"/>
-            </a:pPr>
-            <a:r>
-              <a:rPr lang="en-US" sz="1600" b="1" dirty="0"/>
-              <a:t>Gender identity</a:t>
-            </a:r>
-            <a:r>
-              <a:rPr lang="en-US" sz="1600" dirty="0"/>
-              <a:t> (1 "Male" 2 "Female" 3 "Trans male/Trans man" 4 "Trans female/Trans woman" 5 "Genderqueer/Gender nonconforming" 6 "A different identity“)</a:t>
-            </a:r>
-          </a:p>
-          <a:p>
-            <a:pPr marL="342900" indent="-342900">
-              <a:buFont typeface="+mj-lt"/>
-              <a:buAutoNum type="arabicPeriod"/>
-            </a:pPr>
-            <a:r>
-              <a:rPr lang="en-US" sz="1600" b="1" dirty="0"/>
-              <a:t>Sexuality</a:t>
-            </a:r>
-            <a:r>
-              <a:rPr lang="en-US" sz="1600" dirty="0"/>
-              <a:t> -  5-point scale (after 7/11/2016) (1 "Heterosexual" 2 "Homosexual" 3 "Bisexual" 4 "Queer" 5 "Other“)</a:t>
-            </a:r>
-          </a:p>
-          <a:p>
-            <a:pPr marL="342900" indent="-342900">
-              <a:buFont typeface="+mj-lt"/>
-              <a:buAutoNum type="arabicPeriod"/>
-            </a:pPr>
-            <a:r>
-              <a:rPr lang="en-US" sz="1600" b="1" dirty="0"/>
-              <a:t>Preference</a:t>
-            </a:r>
-            <a:r>
-              <a:rPr lang="en-US" sz="1600" dirty="0"/>
-              <a:t> for: 1 "I strongly prefer Gay People to Straight People."  - 7 "I strongly prefer Straight People to Gay People."</a:t>
-            </a:r>
-          </a:p>
-          <a:p>
-            <a:pPr marL="342900" indent="-342900">
-              <a:buFont typeface="+mj-lt"/>
-              <a:buAutoNum type="arabicPeriod"/>
-            </a:pPr>
-            <a:r>
-              <a:rPr lang="en-US" sz="1600" u="none" strike="noStrike" dirty="0">
-                <a:effectLst/>
-              </a:rPr>
-              <a:t>Do you have a </a:t>
-            </a:r>
-            <a:r>
-              <a:rPr lang="en-US" sz="1600" b="1" u="none" strike="noStrike" dirty="0">
-                <a:effectLst/>
-              </a:rPr>
-              <a:t>family</a:t>
-            </a:r>
-            <a:r>
-              <a:rPr lang="en-US" sz="1600" u="none" strike="noStrike" dirty="0">
-                <a:effectLst/>
-              </a:rPr>
-              <a:t> member who is gay?</a:t>
-            </a:r>
-            <a:endParaRPr lang="en-US" sz="1600" b="0" i="0" u="none" strike="noStrike" dirty="0">
-              <a:solidFill>
-                <a:srgbClr val="000000"/>
-              </a:solidFill>
-              <a:effectLst/>
-              <a:latin typeface="Calibri" panose="020F0502020204030204" pitchFamily="34" charset="0"/>
-            </a:endParaRPr>
-          </a:p>
-          <a:p>
-            <a:pPr marL="342900" indent="-342900">
-              <a:buFont typeface="+mj-lt"/>
-              <a:buAutoNum type="arabicPeriod"/>
-            </a:pPr>
-            <a:r>
-              <a:rPr lang="en-US" sz="1600" u="none" strike="noStrike" dirty="0">
-                <a:effectLst/>
-              </a:rPr>
-              <a:t>Do you have a </a:t>
-            </a:r>
-            <a:r>
-              <a:rPr lang="en-US" sz="1600" b="1" u="none" strike="noStrike" dirty="0">
-                <a:effectLst/>
-              </a:rPr>
-              <a:t>friend</a:t>
-            </a:r>
-            <a:r>
-              <a:rPr lang="en-US" sz="1600" u="none" strike="noStrike" dirty="0">
-                <a:effectLst/>
-              </a:rPr>
-              <a:t> who is gay?</a:t>
-            </a:r>
-            <a:endParaRPr lang="en-US" sz="1600" b="0" i="0" u="none" strike="noStrike" dirty="0">
-              <a:solidFill>
-                <a:srgbClr val="000000"/>
-              </a:solidFill>
-              <a:effectLst/>
-              <a:latin typeface="Calibri" panose="020F0502020204030204" pitchFamily="34" charset="0"/>
-            </a:endParaRPr>
-          </a:p>
-          <a:p>
-            <a:pPr marL="342900" indent="-342900">
-              <a:buFont typeface="+mj-lt"/>
-              <a:buAutoNum type="arabicPeriod"/>
-            </a:pPr>
-            <a:r>
-              <a:rPr lang="en-US" sz="1600" u="none" strike="noStrike" dirty="0">
-                <a:effectLst/>
-              </a:rPr>
-              <a:t>Do you have </a:t>
-            </a:r>
-            <a:r>
-              <a:rPr lang="en-US" sz="1600" b="1" u="none" strike="noStrike" dirty="0">
-                <a:effectLst/>
-              </a:rPr>
-              <a:t>friendly</a:t>
-            </a:r>
-            <a:r>
-              <a:rPr lang="en-US" sz="1600" u="none" strike="noStrike" dirty="0">
-                <a:effectLst/>
-              </a:rPr>
-              <a:t> interactions with gay people on a regular basis?</a:t>
-            </a:r>
-          </a:p>
-          <a:p>
-            <a:pPr marL="342900" indent="-342900">
-              <a:buFont typeface="+mj-lt"/>
-              <a:buAutoNum type="arabicPeriod"/>
-            </a:pPr>
-            <a:r>
-              <a:rPr lang="en-US" sz="1600" u="none" strike="noStrike" dirty="0">
-                <a:effectLst/>
-              </a:rPr>
-              <a:t>Have you ever </a:t>
-            </a:r>
-            <a:r>
-              <a:rPr lang="en-US" sz="1600" b="1" u="none" strike="noStrike" dirty="0">
-                <a:effectLst/>
-              </a:rPr>
-              <a:t>met</a:t>
-            </a:r>
-            <a:r>
-              <a:rPr lang="en-US" sz="1600" u="none" strike="noStrike" dirty="0">
-                <a:effectLst/>
-              </a:rPr>
-              <a:t> a gay person?</a:t>
-            </a:r>
-            <a:endParaRPr lang="en-US" sz="1600" b="0" i="0" u="none" strike="noStrike" dirty="0">
-              <a:solidFill>
-                <a:srgbClr val="000000"/>
-              </a:solidFill>
-              <a:effectLst/>
-              <a:latin typeface="Calibri" panose="020F0502020204030204" pitchFamily="34" charset="0"/>
-            </a:endParaRPr>
-          </a:p>
-          <a:p>
-            <a:r>
-              <a:rPr lang="en-US" sz="1600" u="none" strike="noStrike" dirty="0">
-                <a:effectLst/>
-              </a:rPr>
-              <a:t>9. Please rate how </a:t>
-            </a:r>
-            <a:r>
-              <a:rPr lang="en-US" sz="1600" b="1" u="none" strike="noStrike" dirty="0">
-                <a:effectLst/>
-              </a:rPr>
-              <a:t>warm</a:t>
-            </a:r>
-            <a:r>
-              <a:rPr lang="en-US" sz="1600" u="none" strike="noStrike" dirty="0">
-                <a:effectLst/>
-              </a:rPr>
-              <a:t> or cold you feel toward the following groups: Extremely cold" 1 "Very cold" - 10 "Extremely warm" </a:t>
-            </a:r>
-          </a:p>
-          <a:p>
-            <a:pPr marL="285750" indent="-285750">
-              <a:buFontTx/>
-              <a:buChar char="-"/>
-            </a:pPr>
-            <a:r>
-              <a:rPr lang="en-US" sz="1600" dirty="0"/>
-              <a:t>Gay men, Lesbian Women, Straight Men, Straight Women. </a:t>
-            </a:r>
-          </a:p>
-          <a:p>
-            <a:r>
-              <a:rPr lang="en-US" sz="1600" dirty="0">
-                <a:solidFill>
-                  <a:schemeClr val="accent1"/>
-                </a:solidFill>
-              </a:rPr>
-              <a:t>10. </a:t>
-            </a:r>
-            <a:r>
-              <a:rPr lang="en-US" sz="1600" b="1" dirty="0">
-                <a:solidFill>
-                  <a:schemeClr val="accent1"/>
-                </a:solidFill>
-              </a:rPr>
-              <a:t>Opinion</a:t>
-            </a:r>
-            <a:r>
-              <a:rPr lang="en-US" sz="1600" dirty="0">
-                <a:solidFill>
-                  <a:schemeClr val="accent1"/>
-                </a:solidFill>
-              </a:rPr>
-              <a:t>. Do you think it should be legal for same-sex partners to adopt a child?</a:t>
-            </a:r>
-          </a:p>
-          <a:p>
-            <a:r>
-              <a:rPr lang="en-US" sz="1600" dirty="0">
-                <a:solidFill>
-                  <a:schemeClr val="accent1"/>
-                </a:solidFill>
-              </a:rPr>
-              <a:t>11. </a:t>
-            </a:r>
-            <a:r>
-              <a:rPr lang="en-US" sz="1600" b="1" dirty="0">
-                <a:solidFill>
-                  <a:schemeClr val="accent1"/>
-                </a:solidFill>
-              </a:rPr>
-              <a:t>Opinion</a:t>
-            </a:r>
-            <a:r>
-              <a:rPr lang="en-US" sz="1600" dirty="0">
-                <a:solidFill>
-                  <a:schemeClr val="accent1"/>
-                </a:solidFill>
-              </a:rPr>
-              <a:t>. Do you think it should be legal for business owners to refuse to serve same-sex partners?</a:t>
-            </a:r>
-          </a:p>
-          <a:p>
-            <a:r>
-              <a:rPr lang="en-US" sz="1600" dirty="0">
-                <a:solidFill>
-                  <a:schemeClr val="accent1"/>
-                </a:solidFill>
-              </a:rPr>
-              <a:t>12. </a:t>
-            </a:r>
-            <a:r>
-              <a:rPr lang="en-US" sz="1600" b="1" dirty="0">
-                <a:solidFill>
-                  <a:schemeClr val="accent1"/>
-                </a:solidFill>
-              </a:rPr>
-              <a:t>Opinion</a:t>
-            </a:r>
-            <a:r>
-              <a:rPr lang="en-US" sz="1600" dirty="0">
-                <a:solidFill>
-                  <a:schemeClr val="accent1"/>
-                </a:solidFill>
-              </a:rPr>
-              <a:t>. Which of the following statements best reflects your belief? 1 "Transgender people should use the bathroom/locker rooms of the sex they were assigned at birth" 2 "Transgender people should use the bathrooms/locker rooms of their preferred gender identity“</a:t>
-            </a:r>
-          </a:p>
-          <a:p>
-            <a:r>
-              <a:rPr lang="en-US" sz="1600" dirty="0">
-                <a:solidFill>
-                  <a:schemeClr val="accent1"/>
-                </a:solidFill>
-              </a:rPr>
-              <a:t>13. </a:t>
-            </a:r>
-            <a:r>
-              <a:rPr lang="en-US" sz="1600" b="1" dirty="0">
-                <a:solidFill>
-                  <a:schemeClr val="accent1"/>
-                </a:solidFill>
-              </a:rPr>
-              <a:t>Opinion</a:t>
-            </a:r>
-            <a:r>
-              <a:rPr lang="en-US" sz="1600" dirty="0">
-                <a:solidFill>
-                  <a:schemeClr val="accent1"/>
-                </a:solidFill>
-              </a:rPr>
-              <a:t>. Marriage between same sex people "Should be valid" 2 "Should not be valid" 3 "No opinion“</a:t>
-            </a:r>
-          </a:p>
-          <a:p>
-            <a:r>
-              <a:rPr lang="en-US" sz="1600" dirty="0">
-                <a:solidFill>
-                  <a:schemeClr val="accent1"/>
-                </a:solidFill>
-              </a:rPr>
-              <a:t>14. </a:t>
-            </a:r>
-            <a:r>
-              <a:rPr lang="en-US" sz="1600" b="1" dirty="0">
-                <a:solidFill>
-                  <a:schemeClr val="accent1"/>
-                </a:solidFill>
-              </a:rPr>
-              <a:t>Opinion</a:t>
-            </a:r>
-            <a:r>
-              <a:rPr lang="en-US" sz="1600" dirty="0">
-                <a:solidFill>
-                  <a:schemeClr val="accent1"/>
-                </a:solidFill>
-              </a:rPr>
-              <a:t>. Relationships between same sex people "Should be valid" 2 "Should not be valid" 3 "No opinion“</a:t>
-            </a:r>
-          </a:p>
-          <a:p>
-            <a:endParaRPr lang="en-US" sz="1600" dirty="0"/>
-          </a:p>
-        </p:txBody>
-      </p:sp>
-    </p:spTree>
-    <p:extLst>
-      <p:ext uri="{BB962C8B-B14F-4D97-AF65-F5344CB8AC3E}">
-        <p14:creationId xmlns:p14="http://schemas.microsoft.com/office/powerpoint/2010/main" val="2832777135"/>
-      </p:ext>
-    </p:extLst>
-  </p:cSld>
-  <p:clrMapOvr>
-    <a:masterClrMapping/>
-  </p:clrMapOvr>
-</p:sld>
-</file>
-
 <file path=ppt/slides/slide9.xml><?xml version="1.0" encoding="utf-8"?>
 <p:sld xmlns:a="http://schemas.openxmlformats.org/drawingml/2006/main" xmlns:r="http://schemas.openxmlformats.org/officeDocument/2006/relationships" xmlns:p="http://schemas.openxmlformats.org/presentationml/2006/main">
   <p:cSld>
@@ -7720,7 +7777,7 @@
             </a:br>
             <a:r>
               <a:rPr lang="en-US" dirty="0"/>
-              <a:t>- categorical variables recoded as dummies (race (6 groups), binary vs non binary,)</a:t>
+              <a:t>- categorical variables recoded as dummies (race (6 groups), binary vs non binary)</a:t>
             </a:r>
           </a:p>
           <a:p>
